--- a/Careers Presentation.pptx
+++ b/Careers Presentation.pptx
@@ -497,7 +497,7 @@
           </a:lstStyle>
           <a:p>
             <a:fld id="{0DADE252-20E0-4F89-9706-72D86FB0D36C}" type="datetimeFigureOut">
-              <a:t>7/5/2023</a:t>
+              <a:t>7/6/2023</a:t>
             </a:fld>
             <a:endParaRPr lang="en-US"/>
           </a:p>
@@ -1015,7 +1015,7 @@
           <a:p>
             <a:fld id="{846CE7D5-CF57-46EF-B807-FDD0502418D4}" type="datetimeFigureOut">
               <a:rPr lang="en-US" smtClean="0"/>
-              <a:t>7/5/2023</a:t>
+              <a:t>7/6/2023</a:t>
             </a:fld>
             <a:endParaRPr lang="en-US"/>
           </a:p>
@@ -1185,7 +1185,7 @@
           <a:p>
             <a:fld id="{846CE7D5-CF57-46EF-B807-FDD0502418D4}" type="datetimeFigureOut">
               <a:rPr lang="en-US" smtClean="0"/>
-              <a:t>7/5/2023</a:t>
+              <a:t>7/6/2023</a:t>
             </a:fld>
             <a:endParaRPr lang="en-US"/>
           </a:p>
@@ -1365,7 +1365,7 @@
           <a:p>
             <a:fld id="{846CE7D5-CF57-46EF-B807-FDD0502418D4}" type="datetimeFigureOut">
               <a:rPr lang="en-US" smtClean="0"/>
-              <a:t>7/5/2023</a:t>
+              <a:t>7/6/2023</a:t>
             </a:fld>
             <a:endParaRPr lang="en-US"/>
           </a:p>
@@ -1535,7 +1535,7 @@
           <a:p>
             <a:fld id="{846CE7D5-CF57-46EF-B807-FDD0502418D4}" type="datetimeFigureOut">
               <a:rPr lang="en-US" smtClean="0"/>
-              <a:t>7/5/2023</a:t>
+              <a:t>7/6/2023</a:t>
             </a:fld>
             <a:endParaRPr lang="en-US"/>
           </a:p>
@@ -1781,7 +1781,7 @@
           <a:p>
             <a:fld id="{846CE7D5-CF57-46EF-B807-FDD0502418D4}" type="datetimeFigureOut">
               <a:rPr lang="en-US" smtClean="0"/>
-              <a:t>7/5/2023</a:t>
+              <a:t>7/6/2023</a:t>
             </a:fld>
             <a:endParaRPr lang="en-US"/>
           </a:p>
@@ -2013,7 +2013,7 @@
           <a:p>
             <a:fld id="{846CE7D5-CF57-46EF-B807-FDD0502418D4}" type="datetimeFigureOut">
               <a:rPr lang="en-US" smtClean="0"/>
-              <a:t>7/5/2023</a:t>
+              <a:t>7/6/2023</a:t>
             </a:fld>
             <a:endParaRPr lang="en-US"/>
           </a:p>
@@ -2380,7 +2380,7 @@
           <a:p>
             <a:fld id="{846CE7D5-CF57-46EF-B807-FDD0502418D4}" type="datetimeFigureOut">
               <a:rPr lang="en-US" smtClean="0"/>
-              <a:t>7/5/2023</a:t>
+              <a:t>7/6/2023</a:t>
             </a:fld>
             <a:endParaRPr lang="en-US"/>
           </a:p>
@@ -2498,7 +2498,7 @@
           <a:p>
             <a:fld id="{846CE7D5-CF57-46EF-B807-FDD0502418D4}" type="datetimeFigureOut">
               <a:rPr lang="en-US" smtClean="0"/>
-              <a:t>7/5/2023</a:t>
+              <a:t>7/6/2023</a:t>
             </a:fld>
             <a:endParaRPr lang="en-US"/>
           </a:p>
@@ -2593,7 +2593,7 @@
           <a:p>
             <a:fld id="{846CE7D5-CF57-46EF-B807-FDD0502418D4}" type="datetimeFigureOut">
               <a:rPr lang="en-US" smtClean="0"/>
-              <a:t>7/5/2023</a:t>
+              <a:t>7/6/2023</a:t>
             </a:fld>
             <a:endParaRPr lang="en-US"/>
           </a:p>
@@ -2870,7 +2870,7 @@
           <a:p>
             <a:fld id="{846CE7D5-CF57-46EF-B807-FDD0502418D4}" type="datetimeFigureOut">
               <a:rPr lang="en-US" smtClean="0"/>
-              <a:t>7/5/2023</a:t>
+              <a:t>7/6/2023</a:t>
             </a:fld>
             <a:endParaRPr lang="en-US"/>
           </a:p>
@@ -3127,7 +3127,7 @@
           <a:p>
             <a:fld id="{846CE7D5-CF57-46EF-B807-FDD0502418D4}" type="datetimeFigureOut">
               <a:rPr lang="en-US" smtClean="0"/>
-              <a:t>7/5/2023</a:t>
+              <a:t>7/6/2023</a:t>
             </a:fld>
             <a:endParaRPr lang="en-US"/>
           </a:p>
@@ -3340,7 +3340,7 @@
           <a:p>
             <a:fld id="{846CE7D5-CF57-46EF-B807-FDD0502418D4}" type="datetimeFigureOut">
               <a:rPr lang="en-US" smtClean="0"/>
-              <a:t>7/5/2023</a:t>
+              <a:t>7/6/2023</a:t>
             </a:fld>
             <a:endParaRPr lang="en-US"/>
           </a:p>
@@ -3731,6 +3731,14 @@
 <file path=ppt/slides/slide1.xml><?xml version="1.0" encoding="utf-8"?>
 <p:sld xmlns:a="http://schemas.openxmlformats.org/drawingml/2006/main" xmlns:r="http://schemas.openxmlformats.org/officeDocument/2006/relationships" xmlns:p="http://schemas.openxmlformats.org/presentationml/2006/main">
   <p:cSld>
+    <p:bg>
+      <p:bgPr>
+        <a:solidFill>
+          <a:schemeClr val="bg1"/>
+        </a:solidFill>
+        <a:effectLst/>
+      </p:bgPr>
+    </p:bg>
     <p:spTree>
       <p:nvGrpSpPr>
         <p:cNvPr id="1" name=""/>
@@ -3745,6 +3753,261 @@
           <a:chExt cx="0" cy="0"/>
         </a:xfrm>
       </p:grpSpPr>
+      <p:sp useBgFill="1">
+        <p:nvSpPr>
+          <p:cNvPr id="8" name="Rectangle 7">
+            <a:extLst>
+              <a:ext uri="{FF2B5EF4-FFF2-40B4-BE49-F238E27FC236}">
+                <a16:creationId xmlns:a16="http://schemas.microsoft.com/office/drawing/2014/main" id="{D278ADA9-6383-4BDD-80D2-8899A402687B}"/>
+              </a:ext>
+              <a:ext uri="{C183D7F6-B498-43B3-948B-1728B52AA6E4}">
+                <adec:decorative xmlns:adec="http://schemas.microsoft.com/office/drawing/2017/decorative" val="1"/>
+              </a:ext>
+            </a:extLst>
+          </p:cNvPr>
+          <p:cNvSpPr>
+            <a:spLocks noGrp="1" noRot="1" noChangeAspect="1" noMove="1" noResize="1" noEditPoints="1" noAdjustHandles="1" noChangeArrowheads="1" noChangeShapeType="1" noTextEdit="1"/>
+          </p:cNvSpPr>
+          <p:nvPr>
+            <p:extLst>
+              <p:ext uri="{386F3935-93C4-4BCD-93E2-E3B085C9AB24}">
+                <p16:designElem xmlns:p16="http://schemas.microsoft.com/office/powerpoint/2015/main" val="1"/>
+              </p:ext>
+            </p:extLst>
+          </p:nvPr>
+        </p:nvSpPr>
+        <p:spPr>
+          <a:xfrm>
+            <a:off x="3048" y="0"/>
+            <a:ext cx="12188952" cy="6858000"/>
+          </a:xfrm>
+          <a:prstGeom prst="rect">
+            <a:avLst/>
+          </a:prstGeom>
+          <a:ln>
+            <a:noFill/>
+          </a:ln>
+        </p:spPr>
+        <p:style>
+          <a:lnRef idx="2">
+            <a:schemeClr val="accent1">
+              <a:shade val="50000"/>
+            </a:schemeClr>
+          </a:lnRef>
+          <a:fillRef idx="1">
+            <a:schemeClr val="accent1"/>
+          </a:fillRef>
+          <a:effectRef idx="0">
+            <a:schemeClr val="accent1"/>
+          </a:effectRef>
+          <a:fontRef idx="minor">
+            <a:schemeClr val="lt1"/>
+          </a:fontRef>
+        </p:style>
+        <p:txBody>
+          <a:bodyPr rtlCol="0" anchor="ctr"/>
+          <a:lstStyle/>
+          <a:p>
+            <a:pPr algn="ctr"/>
+            <a:endParaRPr lang="en-US"/>
+          </a:p>
+        </p:txBody>
+      </p:sp>
+      <p:sp>
+        <p:nvSpPr>
+          <p:cNvPr id="19" name="Rectangle 9">
+            <a:extLst>
+              <a:ext uri="{FF2B5EF4-FFF2-40B4-BE49-F238E27FC236}">
+                <a16:creationId xmlns:a16="http://schemas.microsoft.com/office/drawing/2014/main" id="{484B7147-B0F6-40ED-B5A2-FF72BC8198B6}"/>
+              </a:ext>
+              <a:ext uri="{C183D7F6-B498-43B3-948B-1728B52AA6E4}">
+                <adec:decorative xmlns:adec="http://schemas.microsoft.com/office/drawing/2017/decorative" val="1"/>
+              </a:ext>
+            </a:extLst>
+          </p:cNvPr>
+          <p:cNvSpPr>
+            <a:spLocks noGrp="1" noRot="1" noChangeAspect="1" noMove="1" noResize="1" noEditPoints="1" noAdjustHandles="1" noChangeArrowheads="1" noChangeShapeType="1" noTextEdit="1"/>
+          </p:cNvSpPr>
+          <p:nvPr>
+            <p:extLst>
+              <p:ext uri="{386F3935-93C4-4BCD-93E2-E3B085C9AB24}">
+                <p16:designElem xmlns:p16="http://schemas.microsoft.com/office/powerpoint/2015/main" val="1"/>
+              </p:ext>
+            </p:extLst>
+          </p:nvPr>
+        </p:nvSpPr>
+        <p:spPr>
+          <a:xfrm>
+            <a:off x="0" y="0"/>
+            <a:ext cx="12192000" cy="6858000"/>
+          </a:xfrm>
+          <a:prstGeom prst="rect">
+            <a:avLst/>
+          </a:prstGeom>
+          <a:solidFill>
+            <a:schemeClr val="accent2"/>
+          </a:solidFill>
+          <a:ln>
+            <a:noFill/>
+          </a:ln>
+        </p:spPr>
+        <p:style>
+          <a:lnRef idx="2">
+            <a:schemeClr val="accent1">
+              <a:shade val="50000"/>
+            </a:schemeClr>
+          </a:lnRef>
+          <a:fillRef idx="1">
+            <a:schemeClr val="accent1"/>
+          </a:fillRef>
+          <a:effectRef idx="0">
+            <a:schemeClr val="accent1"/>
+          </a:effectRef>
+          <a:fontRef idx="minor">
+            <a:schemeClr val="lt1"/>
+          </a:fontRef>
+        </p:style>
+        <p:txBody>
+          <a:bodyPr rtlCol="0" anchor="ctr"/>
+          <a:lstStyle/>
+          <a:p>
+            <a:pPr algn="ctr"/>
+            <a:endParaRPr lang="en-US">
+              <a:solidFill>
+                <a:schemeClr val="tx1"/>
+              </a:solidFill>
+            </a:endParaRPr>
+          </a:p>
+        </p:txBody>
+      </p:sp>
+      <p:sp>
+        <p:nvSpPr>
+          <p:cNvPr id="20" name="Rectangle 11">
+            <a:extLst>
+              <a:ext uri="{FF2B5EF4-FFF2-40B4-BE49-F238E27FC236}">
+                <a16:creationId xmlns:a16="http://schemas.microsoft.com/office/drawing/2014/main" id="{B36D2DE0-0628-4A9A-A59D-7BA8B5EB3022}"/>
+              </a:ext>
+              <a:ext uri="{C183D7F6-B498-43B3-948B-1728B52AA6E4}">
+                <adec:decorative xmlns:adec="http://schemas.microsoft.com/office/drawing/2017/decorative" val="1"/>
+              </a:ext>
+            </a:extLst>
+          </p:cNvPr>
+          <p:cNvSpPr>
+            <a:spLocks noGrp="1" noRot="1" noChangeAspect="1" noMove="1" noResize="1" noEditPoints="1" noAdjustHandles="1" noChangeArrowheads="1" noChangeShapeType="1" noTextEdit="1"/>
+          </p:cNvSpPr>
+          <p:nvPr>
+            <p:extLst>
+              <p:ext uri="{386F3935-93C4-4BCD-93E2-E3B085C9AB24}">
+                <p16:designElem xmlns:p16="http://schemas.microsoft.com/office/powerpoint/2015/main" val="1"/>
+              </p:ext>
+            </p:extLst>
+          </p:nvPr>
+        </p:nvSpPr>
+        <p:spPr>
+          <a:xfrm>
+            <a:off x="0" y="0"/>
+            <a:ext cx="12192000" cy="6858000"/>
+          </a:xfrm>
+          <a:prstGeom prst="rect">
+            <a:avLst/>
+          </a:prstGeom>
+          <a:noFill/>
+          <a:ln>
+            <a:noFill/>
+          </a:ln>
+        </p:spPr>
+        <p:style>
+          <a:lnRef idx="2">
+            <a:schemeClr val="accent1">
+              <a:shade val="50000"/>
+            </a:schemeClr>
+          </a:lnRef>
+          <a:fillRef idx="1">
+            <a:schemeClr val="accent1"/>
+          </a:fillRef>
+          <a:effectRef idx="0">
+            <a:schemeClr val="accent1"/>
+          </a:effectRef>
+          <a:fontRef idx="minor">
+            <a:schemeClr val="lt1"/>
+          </a:fontRef>
+        </p:style>
+        <p:txBody>
+          <a:bodyPr rtlCol="0" anchor="ctr"/>
+          <a:lstStyle/>
+          <a:p>
+            <a:pPr algn="ctr"/>
+            <a:endParaRPr lang="en-US"/>
+          </a:p>
+        </p:txBody>
+      </p:sp>
+      <p:sp>
+        <p:nvSpPr>
+          <p:cNvPr id="21" name="Oval 13">
+            <a:extLst>
+              <a:ext uri="{FF2B5EF4-FFF2-40B4-BE49-F238E27FC236}">
+                <a16:creationId xmlns:a16="http://schemas.microsoft.com/office/drawing/2014/main" id="{48E405C9-94BE-41DA-928C-DEC9A8550E9F}"/>
+              </a:ext>
+              <a:ext uri="{C183D7F6-B498-43B3-948B-1728B52AA6E4}">
+                <adec:decorative xmlns:adec="http://schemas.microsoft.com/office/drawing/2017/decorative" val="1"/>
+              </a:ext>
+            </a:extLst>
+          </p:cNvPr>
+          <p:cNvSpPr>
+            <a:spLocks noGrp="1" noRot="1" noChangeAspect="1" noMove="1" noResize="1" noEditPoints="1" noAdjustHandles="1" noChangeArrowheads="1" noChangeShapeType="1" noTextEdit="1"/>
+          </p:cNvSpPr>
+          <p:nvPr>
+            <p:extLst>
+              <p:ext uri="{386F3935-93C4-4BCD-93E2-E3B085C9AB24}">
+                <p16:designElem xmlns:p16="http://schemas.microsoft.com/office/powerpoint/2015/main" val="1"/>
+              </p:ext>
+            </p:extLst>
+          </p:nvPr>
+        </p:nvSpPr>
+        <p:spPr>
+          <a:xfrm>
+            <a:off x="2815929" y="148929"/>
+            <a:ext cx="6560142" cy="6560142"/>
+          </a:xfrm>
+          <a:prstGeom prst="ellipse">
+            <a:avLst/>
+          </a:prstGeom>
+          <a:solidFill>
+            <a:schemeClr val="bg1"/>
+          </a:solidFill>
+          <a:ln>
+            <a:noFill/>
+          </a:ln>
+        </p:spPr>
+        <p:style>
+          <a:lnRef idx="2">
+            <a:schemeClr val="accent1">
+              <a:shade val="50000"/>
+            </a:schemeClr>
+          </a:lnRef>
+          <a:fillRef idx="1">
+            <a:schemeClr val="accent1"/>
+          </a:fillRef>
+          <a:effectRef idx="0">
+            <a:schemeClr val="accent1"/>
+          </a:effectRef>
+          <a:fontRef idx="minor">
+            <a:schemeClr val="lt1"/>
+          </a:fontRef>
+        </p:style>
+        <p:txBody>
+          <a:bodyPr rtlCol="0" anchor="ctr"/>
+          <a:lstStyle/>
+          <a:p>
+            <a:pPr algn="ctr"/>
+            <a:endParaRPr lang="en-US">
+              <a:solidFill>
+                <a:schemeClr val="bg1"/>
+              </a:solidFill>
+            </a:endParaRPr>
+          </a:p>
+        </p:txBody>
+      </p:sp>
       <p:sp>
         <p:nvSpPr>
           <p:cNvPr id="2" name="Title 1"/>
@@ -3755,60 +4018,201 @@
             <p:ph type="ctrTitle"/>
           </p:nvPr>
         </p:nvSpPr>
-        <p:spPr/>
+        <p:spPr>
+          <a:xfrm>
+            <a:off x="3315031" y="1380754"/>
+            <a:ext cx="5561938" cy="2513516"/>
+          </a:xfrm>
+        </p:spPr>
         <p:txBody>
           <a:bodyPr>
-            <a:normAutofit fontScale="90000"/>
+            <a:normAutofit/>
           </a:bodyPr>
           <a:lstStyle/>
           <a:p>
             <a:r>
-              <a:rPr lang="en-US" dirty="0">
+              <a:rPr lang="en-US" sz="4200">
                 <a:cs typeface="Calibri Light"/>
               </a:rPr>
               <a:t>Harry Rusby </a:t>
             </a:r>
             <a:br>
-              <a:rPr lang="en-US" dirty="0">
+              <a:rPr lang="en-US" sz="4200">
                 <a:cs typeface="Calibri Light"/>
               </a:rPr>
             </a:br>
             <a:r>
-              <a:rPr lang="en-US" dirty="0">
+              <a:rPr lang="en-US" sz="4200">
                 <a:cs typeface="Calibri Light"/>
               </a:rPr>
               <a:t>Software Engineer</a:t>
             </a:r>
             <a:br>
-              <a:rPr lang="en-US" dirty="0">
+              <a:rPr lang="en-US" sz="4200">
                 <a:cs typeface="Calibri Light"/>
               </a:rPr>
             </a:br>
             <a:r>
-              <a:rPr lang="en-US" dirty="0">
+              <a:rPr lang="en-US" sz="4200">
                 <a:cs typeface="Calibri Light"/>
               </a:rPr>
               <a:t>Cheyne Capital Management</a:t>
             </a:r>
+            <a:endParaRPr lang="en-US" sz="4200"/>
+          </a:p>
+        </p:txBody>
+      </p:sp>
+      <p:sp>
+        <p:nvSpPr>
+          <p:cNvPr id="3" name="Subtitle 2"/>
+          <p:cNvSpPr>
+            <a:spLocks noGrp="1"/>
+          </p:cNvSpPr>
+          <p:nvPr>
+            <p:ph type="subTitle" idx="1"/>
+          </p:nvPr>
+        </p:nvSpPr>
+        <p:spPr>
+          <a:xfrm>
+            <a:off x="3315031" y="4076802"/>
+            <a:ext cx="5561938" cy="1534587"/>
+          </a:xfrm>
+        </p:spPr>
+        <p:txBody>
+          <a:bodyPr>
+            <a:normAutofit/>
+          </a:bodyPr>
+          <a:lstStyle/>
+          <a:p>
+            <a:endParaRPr lang="en-US"/>
+          </a:p>
+        </p:txBody>
+      </p:sp>
+      <p:sp>
+        <p:nvSpPr>
+          <p:cNvPr id="22" name="Arc 15">
+            <a:extLst>
+              <a:ext uri="{FF2B5EF4-FFF2-40B4-BE49-F238E27FC236}">
+                <a16:creationId xmlns:a16="http://schemas.microsoft.com/office/drawing/2014/main" id="{D2091A72-D5BB-42AC-8FD3-F7747D90861E}"/>
+              </a:ext>
+              <a:ext uri="{C183D7F6-B498-43B3-948B-1728B52AA6E4}">
+                <adec:decorative xmlns:adec="http://schemas.microsoft.com/office/drawing/2017/decorative" val="1"/>
+              </a:ext>
+            </a:extLst>
+          </p:cNvPr>
+          <p:cNvSpPr>
+            <a:spLocks noGrp="1" noRot="1" noChangeAspect="1" noMove="1" noResize="1" noEditPoints="1" noAdjustHandles="1" noChangeArrowheads="1" noChangeShapeType="1" noTextEdit="1"/>
+          </p:cNvSpPr>
+          <p:nvPr>
+            <p:extLst>
+              <p:ext uri="{386F3935-93C4-4BCD-93E2-E3B085C9AB24}">
+                <p16:designElem xmlns:p16="http://schemas.microsoft.com/office/powerpoint/2015/main" val="1"/>
+              </p:ext>
+            </p:extLst>
+          </p:nvPr>
+        </p:nvSpPr>
+        <p:spPr>
+          <a:xfrm rot="9222429" flipV="1">
+            <a:off x="2494119" y="6170"/>
+            <a:ext cx="6816262" cy="6816262"/>
+          </a:xfrm>
+          <a:prstGeom prst="arc">
+            <a:avLst>
+              <a:gd name="adj1" fmla="val 16200000"/>
+              <a:gd name="adj2" fmla="val 20093138"/>
+            </a:avLst>
+          </a:prstGeom>
+          <a:ln w="127000" cap="rnd">
+            <a:solidFill>
+              <a:schemeClr val="accent4">
+                <a:alpha val="95000"/>
+              </a:schemeClr>
+            </a:solidFill>
+            <a:prstDash val="dash"/>
+          </a:ln>
+        </p:spPr>
+        <p:style>
+          <a:lnRef idx="1">
+            <a:schemeClr val="accent1"/>
+          </a:lnRef>
+          <a:fillRef idx="0">
+            <a:schemeClr val="accent1"/>
+          </a:fillRef>
+          <a:effectRef idx="0">
+            <a:schemeClr val="accent1"/>
+          </a:effectRef>
+          <a:fontRef idx="minor">
+            <a:schemeClr val="tx1"/>
+          </a:fontRef>
+        </p:style>
+        <p:txBody>
+          <a:bodyPr rtlCol="0" anchor="ctr"/>
+          <a:lstStyle/>
+          <a:p>
+            <a:pPr algn="ctr"/>
             <a:endParaRPr lang="en-US" dirty="0"/>
           </a:p>
         </p:txBody>
       </p:sp>
       <p:sp>
         <p:nvSpPr>
-          <p:cNvPr id="3" name="Subtitle 2"/>
-          <p:cNvSpPr>
-            <a:spLocks noGrp="1"/>
-          </p:cNvSpPr>
-          <p:nvPr>
-            <p:ph type="subTitle" idx="1"/>
-          </p:nvPr>
-        </p:nvSpPr>
-        <p:spPr/>
-        <p:txBody>
-          <a:bodyPr/>
-          <a:lstStyle/>
-          <a:p>
+          <p:cNvPr id="18" name="Oval 17">
+            <a:extLst>
+              <a:ext uri="{FF2B5EF4-FFF2-40B4-BE49-F238E27FC236}">
+                <a16:creationId xmlns:a16="http://schemas.microsoft.com/office/drawing/2014/main" id="{6ED12BFC-A737-46AF-8411-481112D54B0C}"/>
+              </a:ext>
+              <a:ext uri="{C183D7F6-B498-43B3-948B-1728B52AA6E4}">
+                <adec:decorative xmlns:adec="http://schemas.microsoft.com/office/drawing/2017/decorative" val="1"/>
+              </a:ext>
+            </a:extLst>
+          </p:cNvPr>
+          <p:cNvSpPr>
+            <a:spLocks noGrp="1" noRot="1" noChangeAspect="1" noMove="1" noResize="1" noEditPoints="1" noAdjustHandles="1" noChangeArrowheads="1" noChangeShapeType="1" noTextEdit="1"/>
+          </p:cNvSpPr>
+          <p:nvPr>
+            <p:extLst>
+              <p:ext uri="{386F3935-93C4-4BCD-93E2-E3B085C9AB24}">
+                <p16:designElem xmlns:p16="http://schemas.microsoft.com/office/powerpoint/2015/main" val="1"/>
+              </p:ext>
+            </p:extLst>
+          </p:nvPr>
+        </p:nvSpPr>
+        <p:spPr>
+          <a:xfrm>
+            <a:off x="8200995" y="5310973"/>
+            <a:ext cx="705948" cy="686798"/>
+          </a:xfrm>
+          <a:prstGeom prst="ellipse">
+            <a:avLst/>
+          </a:prstGeom>
+          <a:solidFill>
+            <a:schemeClr val="accent5"/>
+          </a:solidFill>
+          <a:ln>
+            <a:noFill/>
+          </a:ln>
+        </p:spPr>
+        <p:style>
+          <a:lnRef idx="2">
+            <a:schemeClr val="accent1">
+              <a:shade val="50000"/>
+            </a:schemeClr>
+          </a:lnRef>
+          <a:fillRef idx="1">
+            <a:schemeClr val="accent1"/>
+          </a:fillRef>
+          <a:effectRef idx="0">
+            <a:schemeClr val="accent1"/>
+          </a:effectRef>
+          <a:fontRef idx="minor">
+            <a:schemeClr val="lt1"/>
+          </a:fontRef>
+        </p:style>
+        <p:txBody>
+          <a:bodyPr rtlCol="0" anchor="ctr"/>
+          <a:lstStyle/>
+          <a:p>
+            <a:pPr algn="ctr"/>
             <a:endParaRPr lang="en-US"/>
           </a:p>
         </p:txBody>
@@ -3829,6 +4233,14 @@
 <file path=ppt/slides/slide10.xml><?xml version="1.0" encoding="utf-8"?>
 <p:sld xmlns:a="http://schemas.openxmlformats.org/drawingml/2006/main" xmlns:r="http://schemas.openxmlformats.org/officeDocument/2006/relationships" xmlns:p="http://schemas.openxmlformats.org/presentationml/2006/main">
   <p:cSld>
+    <p:bg>
+      <p:bgPr>
+        <a:solidFill>
+          <a:schemeClr val="bg1"/>
+        </a:solidFill>
+        <a:effectLst/>
+      </p:bgPr>
+    </p:bg>
     <p:spTree>
       <p:nvGrpSpPr>
         <p:cNvPr id="1" name=""/>
@@ -3843,6 +4255,129 @@
           <a:chExt cx="0" cy="0"/>
         </a:xfrm>
       </p:grpSpPr>
+      <p:sp useBgFill="1">
+        <p:nvSpPr>
+          <p:cNvPr id="8" name="Rectangle 7">
+            <a:extLst>
+              <a:ext uri="{FF2B5EF4-FFF2-40B4-BE49-F238E27FC236}">
+                <a16:creationId xmlns:a16="http://schemas.microsoft.com/office/drawing/2014/main" id="{389575E1-3389-451A-A5F7-27854C25C599}"/>
+              </a:ext>
+              <a:ext uri="{C183D7F6-B498-43B3-948B-1728B52AA6E4}">
+                <adec:decorative xmlns:adec="http://schemas.microsoft.com/office/drawing/2017/decorative" val="1"/>
+              </a:ext>
+            </a:extLst>
+          </p:cNvPr>
+          <p:cNvSpPr>
+            <a:spLocks noGrp="1" noRot="1" noChangeAspect="1" noMove="1" noResize="1" noEditPoints="1" noAdjustHandles="1" noChangeArrowheads="1" noChangeShapeType="1" noTextEdit="1"/>
+          </p:cNvSpPr>
+          <p:nvPr>
+            <p:extLst>
+              <p:ext uri="{386F3935-93C4-4BCD-93E2-E3B085C9AB24}">
+                <p16:designElem xmlns:p16="http://schemas.microsoft.com/office/powerpoint/2015/main" val="1"/>
+              </p:ext>
+            </p:extLst>
+          </p:nvPr>
+        </p:nvSpPr>
+        <p:spPr>
+          <a:xfrm>
+            <a:off x="3048" y="4293"/>
+            <a:ext cx="12188952" cy="6858000"/>
+          </a:xfrm>
+          <a:prstGeom prst="rect">
+            <a:avLst/>
+          </a:prstGeom>
+          <a:ln>
+            <a:noFill/>
+          </a:ln>
+        </p:spPr>
+        <p:style>
+          <a:lnRef idx="2">
+            <a:schemeClr val="accent1">
+              <a:shade val="50000"/>
+            </a:schemeClr>
+          </a:lnRef>
+          <a:fillRef idx="1">
+            <a:schemeClr val="accent1"/>
+          </a:fillRef>
+          <a:effectRef idx="0">
+            <a:schemeClr val="accent1"/>
+          </a:effectRef>
+          <a:fontRef idx="minor">
+            <a:schemeClr val="lt1"/>
+          </a:fontRef>
+        </p:style>
+        <p:txBody>
+          <a:bodyPr rtlCol="0" anchor="ctr"/>
+          <a:lstStyle/>
+          <a:p>
+            <a:pPr algn="ctr"/>
+            <a:endParaRPr lang="en-US"/>
+          </a:p>
+        </p:txBody>
+      </p:sp>
+      <p:sp>
+        <p:nvSpPr>
+          <p:cNvPr id="10" name="Rectangle 9">
+            <a:extLst>
+              <a:ext uri="{FF2B5EF4-FFF2-40B4-BE49-F238E27FC236}">
+                <a16:creationId xmlns:a16="http://schemas.microsoft.com/office/drawing/2014/main" id="{A53CCC5C-D88E-40FB-B30B-23DCDBD01D37}"/>
+              </a:ext>
+              <a:ext uri="{C183D7F6-B498-43B3-948B-1728B52AA6E4}">
+                <adec:decorative xmlns:adec="http://schemas.microsoft.com/office/drawing/2017/decorative" val="1"/>
+              </a:ext>
+            </a:extLst>
+          </p:cNvPr>
+          <p:cNvSpPr>
+            <a:spLocks noGrp="1" noRot="1" noChangeAspect="1" noMove="1" noResize="1" noEditPoints="1" noAdjustHandles="1" noChangeArrowheads="1" noChangeShapeType="1" noTextEdit="1"/>
+          </p:cNvSpPr>
+          <p:nvPr>
+            <p:extLst>
+              <p:ext uri="{386F3935-93C4-4BCD-93E2-E3B085C9AB24}">
+                <p16:designElem xmlns:p16="http://schemas.microsoft.com/office/powerpoint/2015/main" val="1"/>
+              </p:ext>
+            </p:extLst>
+          </p:nvPr>
+        </p:nvSpPr>
+        <p:spPr>
+          <a:xfrm>
+            <a:off x="0" y="-4"/>
+            <a:ext cx="4167268" cy="6858004"/>
+          </a:xfrm>
+          <a:prstGeom prst="rect">
+            <a:avLst/>
+          </a:prstGeom>
+          <a:solidFill>
+            <a:schemeClr val="accent2"/>
+          </a:solidFill>
+          <a:ln>
+            <a:noFill/>
+          </a:ln>
+        </p:spPr>
+        <p:style>
+          <a:lnRef idx="2">
+            <a:schemeClr val="accent1">
+              <a:shade val="50000"/>
+            </a:schemeClr>
+          </a:lnRef>
+          <a:fillRef idx="1">
+            <a:schemeClr val="accent1"/>
+          </a:fillRef>
+          <a:effectRef idx="0">
+            <a:schemeClr val="accent1"/>
+          </a:effectRef>
+          <a:fontRef idx="minor">
+            <a:schemeClr val="lt1"/>
+          </a:fontRef>
+        </p:style>
+        <p:txBody>
+          <a:bodyPr rtlCol="0" anchor="ctr"/>
+          <a:lstStyle/>
+          <a:p>
+            <a:pPr algn="ctr"/>
+            <a:endParaRPr lang="en-US"/>
+          </a:p>
+        </p:txBody>
+      </p:sp>
       <p:sp>
         <p:nvSpPr>
           <p:cNvPr id="2" name="Title 1">
@@ -3859,17 +4394,92 @@
             <p:ph type="title"/>
           </p:nvPr>
         </p:nvSpPr>
-        <p:spPr/>
-        <p:txBody>
-          <a:bodyPr/>
-          <a:lstStyle/>
-          <a:p>
-            <a:r>
-              <a:rPr lang="en-US" dirty="0">
+        <p:spPr>
+          <a:xfrm>
+            <a:off x="686834" y="591344"/>
+            <a:ext cx="3200400" cy="5585619"/>
+          </a:xfrm>
+        </p:spPr>
+        <p:txBody>
+          <a:bodyPr>
+            <a:normAutofit/>
+          </a:bodyPr>
+          <a:lstStyle/>
+          <a:p>
+            <a:r>
+              <a:rPr lang="en-US">
+                <a:solidFill>
+                  <a:srgbClr val="FFFFFF"/>
+                </a:solidFill>
                 <a:cs typeface="Calibri Light"/>
               </a:rPr>
               <a:t>Advice</a:t>
             </a:r>
+            <a:endParaRPr lang="en-US">
+              <a:solidFill>
+                <a:srgbClr val="FFFFFF"/>
+              </a:solidFill>
+            </a:endParaRPr>
+          </a:p>
+        </p:txBody>
+      </p:sp>
+      <p:sp>
+        <p:nvSpPr>
+          <p:cNvPr id="12" name="Arc 11">
+            <a:extLst>
+              <a:ext uri="{FF2B5EF4-FFF2-40B4-BE49-F238E27FC236}">
+                <a16:creationId xmlns:a16="http://schemas.microsoft.com/office/drawing/2014/main" id="{081E4A58-353D-44AE-B2FC-2A74E2E400F7}"/>
+              </a:ext>
+              <a:ext uri="{C183D7F6-B498-43B3-948B-1728B52AA6E4}">
+                <adec:decorative xmlns:adec="http://schemas.microsoft.com/office/drawing/2017/decorative" val="1"/>
+              </a:ext>
+            </a:extLst>
+          </p:cNvPr>
+          <p:cNvSpPr>
+            <a:spLocks noGrp="1" noRot="1" noChangeAspect="1" noMove="1" noResize="1" noEditPoints="1" noAdjustHandles="1" noChangeArrowheads="1" noChangeShapeType="1" noTextEdit="1"/>
+          </p:cNvSpPr>
+          <p:nvPr>
+            <p:extLst>
+              <p:ext uri="{386F3935-93C4-4BCD-93E2-E3B085C9AB24}">
+                <p16:designElem xmlns:p16="http://schemas.microsoft.com/office/powerpoint/2015/main" val="1"/>
+              </p:ext>
+            </p:extLst>
+          </p:nvPr>
+        </p:nvSpPr>
+        <p:spPr>
+          <a:xfrm flipV="1">
+            <a:off x="7550402" y="2455479"/>
+            <a:ext cx="4083433" cy="4083433"/>
+          </a:xfrm>
+          <a:prstGeom prst="arc">
+            <a:avLst/>
+          </a:prstGeom>
+          <a:ln w="127000" cap="rnd">
+            <a:solidFill>
+              <a:schemeClr val="accent4"/>
+            </a:solidFill>
+            <a:prstDash val="dash"/>
+          </a:ln>
+        </p:spPr>
+        <p:style>
+          <a:lnRef idx="1">
+            <a:schemeClr val="accent1"/>
+          </a:lnRef>
+          <a:fillRef idx="0">
+            <a:schemeClr val="accent1"/>
+          </a:fillRef>
+          <a:effectRef idx="0">
+            <a:schemeClr val="accent1"/>
+          </a:effectRef>
+          <a:fontRef idx="minor">
+            <a:schemeClr val="tx1"/>
+          </a:fontRef>
+        </p:style>
+        <p:txBody>
+          <a:bodyPr rtlCol="0" anchor="ctr"/>
+          <a:lstStyle/>
+          <a:p>
+            <a:pPr algn="ctr"/>
             <a:endParaRPr lang="en-US" dirty="0"/>
           </a:p>
         </p:txBody>
@@ -3890,9 +4500,14 @@
             <p:ph idx="1"/>
           </p:nvPr>
         </p:nvSpPr>
-        <p:spPr/>
-        <p:txBody>
-          <a:bodyPr vert="horz" lIns="91440" tIns="45720" rIns="91440" bIns="45720" rtlCol="0" anchor="t">
+        <p:spPr>
+          <a:xfrm>
+            <a:off x="4447308" y="591344"/>
+            <a:ext cx="6906491" cy="5585619"/>
+          </a:xfrm>
+        </p:spPr>
+        <p:txBody>
+          <a:bodyPr vert="horz" lIns="91440" tIns="45720" rIns="91440" bIns="45720" rtlCol="0" anchor="ctr">
             <a:normAutofit/>
           </a:bodyPr>
           <a:lstStyle/>
@@ -3938,6 +4553,14 @@
 <file path=ppt/slides/slide11.xml><?xml version="1.0" encoding="utf-8"?>
 <p:sld xmlns:a="http://schemas.openxmlformats.org/drawingml/2006/main" xmlns:r="http://schemas.openxmlformats.org/officeDocument/2006/relationships" xmlns:p="http://schemas.openxmlformats.org/presentationml/2006/main">
   <p:cSld>
+    <p:bg>
+      <p:bgPr>
+        <a:solidFill>
+          <a:schemeClr val="bg1"/>
+        </a:solidFill>
+        <a:effectLst/>
+      </p:bgPr>
+    </p:bg>
     <p:spTree>
       <p:nvGrpSpPr>
         <p:cNvPr id="1" name=""/>
@@ -3952,6 +4575,129 @@
           <a:chExt cx="0" cy="0"/>
         </a:xfrm>
       </p:grpSpPr>
+      <p:sp useBgFill="1">
+        <p:nvSpPr>
+          <p:cNvPr id="8" name="Rectangle 7">
+            <a:extLst>
+              <a:ext uri="{FF2B5EF4-FFF2-40B4-BE49-F238E27FC236}">
+                <a16:creationId xmlns:a16="http://schemas.microsoft.com/office/drawing/2014/main" id="{389575E1-3389-451A-A5F7-27854C25C599}"/>
+              </a:ext>
+              <a:ext uri="{C183D7F6-B498-43B3-948B-1728B52AA6E4}">
+                <adec:decorative xmlns:adec="http://schemas.microsoft.com/office/drawing/2017/decorative" val="1"/>
+              </a:ext>
+            </a:extLst>
+          </p:cNvPr>
+          <p:cNvSpPr>
+            <a:spLocks noGrp="1" noRot="1" noChangeAspect="1" noMove="1" noResize="1" noEditPoints="1" noAdjustHandles="1" noChangeArrowheads="1" noChangeShapeType="1" noTextEdit="1"/>
+          </p:cNvSpPr>
+          <p:nvPr>
+            <p:extLst>
+              <p:ext uri="{386F3935-93C4-4BCD-93E2-E3B085C9AB24}">
+                <p16:designElem xmlns:p16="http://schemas.microsoft.com/office/powerpoint/2015/main" val="1"/>
+              </p:ext>
+            </p:extLst>
+          </p:nvPr>
+        </p:nvSpPr>
+        <p:spPr>
+          <a:xfrm>
+            <a:off x="3048" y="4293"/>
+            <a:ext cx="12188952" cy="6858000"/>
+          </a:xfrm>
+          <a:prstGeom prst="rect">
+            <a:avLst/>
+          </a:prstGeom>
+          <a:ln>
+            <a:noFill/>
+          </a:ln>
+        </p:spPr>
+        <p:style>
+          <a:lnRef idx="2">
+            <a:schemeClr val="accent1">
+              <a:shade val="50000"/>
+            </a:schemeClr>
+          </a:lnRef>
+          <a:fillRef idx="1">
+            <a:schemeClr val="accent1"/>
+          </a:fillRef>
+          <a:effectRef idx="0">
+            <a:schemeClr val="accent1"/>
+          </a:effectRef>
+          <a:fontRef idx="minor">
+            <a:schemeClr val="lt1"/>
+          </a:fontRef>
+        </p:style>
+        <p:txBody>
+          <a:bodyPr rtlCol="0" anchor="ctr"/>
+          <a:lstStyle/>
+          <a:p>
+            <a:pPr algn="ctr"/>
+            <a:endParaRPr lang="en-US"/>
+          </a:p>
+        </p:txBody>
+      </p:sp>
+      <p:sp>
+        <p:nvSpPr>
+          <p:cNvPr id="10" name="Rectangle 9">
+            <a:extLst>
+              <a:ext uri="{FF2B5EF4-FFF2-40B4-BE49-F238E27FC236}">
+                <a16:creationId xmlns:a16="http://schemas.microsoft.com/office/drawing/2014/main" id="{A53CCC5C-D88E-40FB-B30B-23DCDBD01D37}"/>
+              </a:ext>
+              <a:ext uri="{C183D7F6-B498-43B3-948B-1728B52AA6E4}">
+                <adec:decorative xmlns:adec="http://schemas.microsoft.com/office/drawing/2017/decorative" val="1"/>
+              </a:ext>
+            </a:extLst>
+          </p:cNvPr>
+          <p:cNvSpPr>
+            <a:spLocks noGrp="1" noRot="1" noChangeAspect="1" noMove="1" noResize="1" noEditPoints="1" noAdjustHandles="1" noChangeArrowheads="1" noChangeShapeType="1" noTextEdit="1"/>
+          </p:cNvSpPr>
+          <p:nvPr>
+            <p:extLst>
+              <p:ext uri="{386F3935-93C4-4BCD-93E2-E3B085C9AB24}">
+                <p16:designElem xmlns:p16="http://schemas.microsoft.com/office/powerpoint/2015/main" val="1"/>
+              </p:ext>
+            </p:extLst>
+          </p:nvPr>
+        </p:nvSpPr>
+        <p:spPr>
+          <a:xfrm>
+            <a:off x="0" y="-4"/>
+            <a:ext cx="4167268" cy="6858004"/>
+          </a:xfrm>
+          <a:prstGeom prst="rect">
+            <a:avLst/>
+          </a:prstGeom>
+          <a:solidFill>
+            <a:schemeClr val="accent2"/>
+          </a:solidFill>
+          <a:ln>
+            <a:noFill/>
+          </a:ln>
+        </p:spPr>
+        <p:style>
+          <a:lnRef idx="2">
+            <a:schemeClr val="accent1">
+              <a:shade val="50000"/>
+            </a:schemeClr>
+          </a:lnRef>
+          <a:fillRef idx="1">
+            <a:schemeClr val="accent1"/>
+          </a:fillRef>
+          <a:effectRef idx="0">
+            <a:schemeClr val="accent1"/>
+          </a:effectRef>
+          <a:fontRef idx="minor">
+            <a:schemeClr val="lt1"/>
+          </a:fontRef>
+        </p:style>
+        <p:txBody>
+          <a:bodyPr rtlCol="0" anchor="ctr"/>
+          <a:lstStyle/>
+          <a:p>
+            <a:pPr algn="ctr"/>
+            <a:endParaRPr lang="en-US"/>
+          </a:p>
+        </p:txBody>
+      </p:sp>
       <p:sp>
         <p:nvSpPr>
           <p:cNvPr id="2" name="Title 1">
@@ -3968,17 +4714,92 @@
             <p:ph type="title"/>
           </p:nvPr>
         </p:nvSpPr>
-        <p:spPr/>
-        <p:txBody>
-          <a:bodyPr/>
-          <a:lstStyle/>
-          <a:p>
-            <a:r>
-              <a:rPr lang="en-US" dirty="0">
+        <p:spPr>
+          <a:xfrm>
+            <a:off x="686834" y="591344"/>
+            <a:ext cx="3200400" cy="5585619"/>
+          </a:xfrm>
+        </p:spPr>
+        <p:txBody>
+          <a:bodyPr>
+            <a:normAutofit/>
+          </a:bodyPr>
+          <a:lstStyle/>
+          <a:p>
+            <a:r>
+              <a:rPr lang="en-US">
+                <a:solidFill>
+                  <a:srgbClr val="FFFFFF"/>
+                </a:solidFill>
                 <a:cs typeface="Calibri Light"/>
               </a:rPr>
               <a:t>Tech</a:t>
             </a:r>
+            <a:endParaRPr lang="en-US">
+              <a:solidFill>
+                <a:srgbClr val="FFFFFF"/>
+              </a:solidFill>
+            </a:endParaRPr>
+          </a:p>
+        </p:txBody>
+      </p:sp>
+      <p:sp>
+        <p:nvSpPr>
+          <p:cNvPr id="12" name="Arc 11">
+            <a:extLst>
+              <a:ext uri="{FF2B5EF4-FFF2-40B4-BE49-F238E27FC236}">
+                <a16:creationId xmlns:a16="http://schemas.microsoft.com/office/drawing/2014/main" id="{081E4A58-353D-44AE-B2FC-2A74E2E400F7}"/>
+              </a:ext>
+              <a:ext uri="{C183D7F6-B498-43B3-948B-1728B52AA6E4}">
+                <adec:decorative xmlns:adec="http://schemas.microsoft.com/office/drawing/2017/decorative" val="1"/>
+              </a:ext>
+            </a:extLst>
+          </p:cNvPr>
+          <p:cNvSpPr>
+            <a:spLocks noGrp="1" noRot="1" noChangeAspect="1" noMove="1" noResize="1" noEditPoints="1" noAdjustHandles="1" noChangeArrowheads="1" noChangeShapeType="1" noTextEdit="1"/>
+          </p:cNvSpPr>
+          <p:nvPr>
+            <p:extLst>
+              <p:ext uri="{386F3935-93C4-4BCD-93E2-E3B085C9AB24}">
+                <p16:designElem xmlns:p16="http://schemas.microsoft.com/office/powerpoint/2015/main" val="1"/>
+              </p:ext>
+            </p:extLst>
+          </p:nvPr>
+        </p:nvSpPr>
+        <p:spPr>
+          <a:xfrm flipV="1">
+            <a:off x="7550402" y="2455479"/>
+            <a:ext cx="4083433" cy="4083433"/>
+          </a:xfrm>
+          <a:prstGeom prst="arc">
+            <a:avLst/>
+          </a:prstGeom>
+          <a:ln w="127000" cap="rnd">
+            <a:solidFill>
+              <a:schemeClr val="accent4"/>
+            </a:solidFill>
+            <a:prstDash val="dash"/>
+          </a:ln>
+        </p:spPr>
+        <p:style>
+          <a:lnRef idx="1">
+            <a:schemeClr val="accent1"/>
+          </a:lnRef>
+          <a:fillRef idx="0">
+            <a:schemeClr val="accent1"/>
+          </a:fillRef>
+          <a:effectRef idx="0">
+            <a:schemeClr val="accent1"/>
+          </a:effectRef>
+          <a:fontRef idx="minor">
+            <a:schemeClr val="tx1"/>
+          </a:fontRef>
+        </p:style>
+        <p:txBody>
+          <a:bodyPr rtlCol="0" anchor="ctr"/>
+          <a:lstStyle/>
+          <a:p>
+            <a:pPr algn="ctr"/>
             <a:endParaRPr lang="en-US" dirty="0"/>
           </a:p>
         </p:txBody>
@@ -3999,10 +4820,15 @@
             <p:ph idx="1"/>
           </p:nvPr>
         </p:nvSpPr>
-        <p:spPr/>
-        <p:txBody>
-          <a:bodyPr vert="horz" lIns="91440" tIns="45720" rIns="91440" bIns="45720" rtlCol="0" anchor="t">
-            <a:normAutofit lnSpcReduction="10000"/>
+        <p:spPr>
+          <a:xfrm>
+            <a:off x="4447308" y="591344"/>
+            <a:ext cx="6906491" cy="5585619"/>
+          </a:xfrm>
+        </p:spPr>
+        <p:txBody>
+          <a:bodyPr vert="horz" lIns="91440" tIns="45720" rIns="91440" bIns="45720" rtlCol="0" anchor="ctr">
+            <a:normAutofit/>
           </a:bodyPr>
           <a:lstStyle/>
           <a:p>
@@ -4132,6 +4958,14 @@
 <file path=ppt/slides/slide12.xml><?xml version="1.0" encoding="utf-8"?>
 <p:sld xmlns:a="http://schemas.openxmlformats.org/drawingml/2006/main" xmlns:r="http://schemas.openxmlformats.org/officeDocument/2006/relationships" xmlns:p="http://schemas.openxmlformats.org/presentationml/2006/main">
   <p:cSld>
+    <p:bg>
+      <p:bgPr>
+        <a:solidFill>
+          <a:schemeClr val="bg1"/>
+        </a:solidFill>
+        <a:effectLst/>
+      </p:bgPr>
+    </p:bg>
     <p:spTree>
       <p:nvGrpSpPr>
         <p:cNvPr id="1" name=""/>
@@ -4146,6 +4980,129 @@
           <a:chExt cx="0" cy="0"/>
         </a:xfrm>
       </p:grpSpPr>
+      <p:sp useBgFill="1">
+        <p:nvSpPr>
+          <p:cNvPr id="8" name="Rectangle 7">
+            <a:extLst>
+              <a:ext uri="{FF2B5EF4-FFF2-40B4-BE49-F238E27FC236}">
+                <a16:creationId xmlns:a16="http://schemas.microsoft.com/office/drawing/2014/main" id="{389575E1-3389-451A-A5F7-27854C25C599}"/>
+              </a:ext>
+              <a:ext uri="{C183D7F6-B498-43B3-948B-1728B52AA6E4}">
+                <adec:decorative xmlns:adec="http://schemas.microsoft.com/office/drawing/2017/decorative" val="1"/>
+              </a:ext>
+            </a:extLst>
+          </p:cNvPr>
+          <p:cNvSpPr>
+            <a:spLocks noGrp="1" noRot="1" noChangeAspect="1" noMove="1" noResize="1" noEditPoints="1" noAdjustHandles="1" noChangeArrowheads="1" noChangeShapeType="1" noTextEdit="1"/>
+          </p:cNvSpPr>
+          <p:nvPr>
+            <p:extLst>
+              <p:ext uri="{386F3935-93C4-4BCD-93E2-E3B085C9AB24}">
+                <p16:designElem xmlns:p16="http://schemas.microsoft.com/office/powerpoint/2015/main" val="1"/>
+              </p:ext>
+            </p:extLst>
+          </p:nvPr>
+        </p:nvSpPr>
+        <p:spPr>
+          <a:xfrm>
+            <a:off x="3048" y="4293"/>
+            <a:ext cx="12188952" cy="6858000"/>
+          </a:xfrm>
+          <a:prstGeom prst="rect">
+            <a:avLst/>
+          </a:prstGeom>
+          <a:ln>
+            <a:noFill/>
+          </a:ln>
+        </p:spPr>
+        <p:style>
+          <a:lnRef idx="2">
+            <a:schemeClr val="accent1">
+              <a:shade val="50000"/>
+            </a:schemeClr>
+          </a:lnRef>
+          <a:fillRef idx="1">
+            <a:schemeClr val="accent1"/>
+          </a:fillRef>
+          <a:effectRef idx="0">
+            <a:schemeClr val="accent1"/>
+          </a:effectRef>
+          <a:fontRef idx="minor">
+            <a:schemeClr val="lt1"/>
+          </a:fontRef>
+        </p:style>
+        <p:txBody>
+          <a:bodyPr rtlCol="0" anchor="ctr"/>
+          <a:lstStyle/>
+          <a:p>
+            <a:pPr algn="ctr"/>
+            <a:endParaRPr lang="en-US"/>
+          </a:p>
+        </p:txBody>
+      </p:sp>
+      <p:sp>
+        <p:nvSpPr>
+          <p:cNvPr id="10" name="Rectangle 9">
+            <a:extLst>
+              <a:ext uri="{FF2B5EF4-FFF2-40B4-BE49-F238E27FC236}">
+                <a16:creationId xmlns:a16="http://schemas.microsoft.com/office/drawing/2014/main" id="{A53CCC5C-D88E-40FB-B30B-23DCDBD01D37}"/>
+              </a:ext>
+              <a:ext uri="{C183D7F6-B498-43B3-948B-1728B52AA6E4}">
+                <adec:decorative xmlns:adec="http://schemas.microsoft.com/office/drawing/2017/decorative" val="1"/>
+              </a:ext>
+            </a:extLst>
+          </p:cNvPr>
+          <p:cNvSpPr>
+            <a:spLocks noGrp="1" noRot="1" noChangeAspect="1" noMove="1" noResize="1" noEditPoints="1" noAdjustHandles="1" noChangeArrowheads="1" noChangeShapeType="1" noTextEdit="1"/>
+          </p:cNvSpPr>
+          <p:nvPr>
+            <p:extLst>
+              <p:ext uri="{386F3935-93C4-4BCD-93E2-E3B085C9AB24}">
+                <p16:designElem xmlns:p16="http://schemas.microsoft.com/office/powerpoint/2015/main" val="1"/>
+              </p:ext>
+            </p:extLst>
+          </p:nvPr>
+        </p:nvSpPr>
+        <p:spPr>
+          <a:xfrm>
+            <a:off x="0" y="-4"/>
+            <a:ext cx="4167268" cy="6858004"/>
+          </a:xfrm>
+          <a:prstGeom prst="rect">
+            <a:avLst/>
+          </a:prstGeom>
+          <a:solidFill>
+            <a:schemeClr val="accent2"/>
+          </a:solidFill>
+          <a:ln>
+            <a:noFill/>
+          </a:ln>
+        </p:spPr>
+        <p:style>
+          <a:lnRef idx="2">
+            <a:schemeClr val="accent1">
+              <a:shade val="50000"/>
+            </a:schemeClr>
+          </a:lnRef>
+          <a:fillRef idx="1">
+            <a:schemeClr val="accent1"/>
+          </a:fillRef>
+          <a:effectRef idx="0">
+            <a:schemeClr val="accent1"/>
+          </a:effectRef>
+          <a:fontRef idx="minor">
+            <a:schemeClr val="lt1"/>
+          </a:fontRef>
+        </p:style>
+        <p:txBody>
+          <a:bodyPr rtlCol="0" anchor="ctr"/>
+          <a:lstStyle/>
+          <a:p>
+            <a:pPr algn="ctr"/>
+            <a:endParaRPr lang="en-US"/>
+          </a:p>
+        </p:txBody>
+      </p:sp>
       <p:sp>
         <p:nvSpPr>
           <p:cNvPr id="2" name="Title 1">
@@ -4162,17 +5119,92 @@
             <p:ph type="title"/>
           </p:nvPr>
         </p:nvSpPr>
-        <p:spPr/>
-        <p:txBody>
-          <a:bodyPr/>
-          <a:lstStyle/>
-          <a:p>
-            <a:r>
-              <a:rPr lang="en-US" dirty="0">
+        <p:spPr>
+          <a:xfrm>
+            <a:off x="686834" y="591344"/>
+            <a:ext cx="3200400" cy="5585619"/>
+          </a:xfrm>
+        </p:spPr>
+        <p:txBody>
+          <a:bodyPr>
+            <a:normAutofit/>
+          </a:bodyPr>
+          <a:lstStyle/>
+          <a:p>
+            <a:r>
+              <a:rPr lang="en-US">
+                <a:solidFill>
+                  <a:srgbClr val="FFFFFF"/>
+                </a:solidFill>
                 <a:cs typeface="Calibri Light"/>
               </a:rPr>
               <a:t>Banking</a:t>
             </a:r>
+            <a:endParaRPr lang="en-US">
+              <a:solidFill>
+                <a:srgbClr val="FFFFFF"/>
+              </a:solidFill>
+            </a:endParaRPr>
+          </a:p>
+        </p:txBody>
+      </p:sp>
+      <p:sp>
+        <p:nvSpPr>
+          <p:cNvPr id="12" name="Arc 11">
+            <a:extLst>
+              <a:ext uri="{FF2B5EF4-FFF2-40B4-BE49-F238E27FC236}">
+                <a16:creationId xmlns:a16="http://schemas.microsoft.com/office/drawing/2014/main" id="{081E4A58-353D-44AE-B2FC-2A74E2E400F7}"/>
+              </a:ext>
+              <a:ext uri="{C183D7F6-B498-43B3-948B-1728B52AA6E4}">
+                <adec:decorative xmlns:adec="http://schemas.microsoft.com/office/drawing/2017/decorative" val="1"/>
+              </a:ext>
+            </a:extLst>
+          </p:cNvPr>
+          <p:cNvSpPr>
+            <a:spLocks noGrp="1" noRot="1" noChangeAspect="1" noMove="1" noResize="1" noEditPoints="1" noAdjustHandles="1" noChangeArrowheads="1" noChangeShapeType="1" noTextEdit="1"/>
+          </p:cNvSpPr>
+          <p:nvPr>
+            <p:extLst>
+              <p:ext uri="{386F3935-93C4-4BCD-93E2-E3B085C9AB24}">
+                <p16:designElem xmlns:p16="http://schemas.microsoft.com/office/powerpoint/2015/main" val="1"/>
+              </p:ext>
+            </p:extLst>
+          </p:nvPr>
+        </p:nvSpPr>
+        <p:spPr>
+          <a:xfrm flipV="1">
+            <a:off x="7550402" y="2455479"/>
+            <a:ext cx="4083433" cy="4083433"/>
+          </a:xfrm>
+          <a:prstGeom prst="arc">
+            <a:avLst/>
+          </a:prstGeom>
+          <a:ln w="127000" cap="rnd">
+            <a:solidFill>
+              <a:schemeClr val="accent4"/>
+            </a:solidFill>
+            <a:prstDash val="dash"/>
+          </a:ln>
+        </p:spPr>
+        <p:style>
+          <a:lnRef idx="1">
+            <a:schemeClr val="accent1"/>
+          </a:lnRef>
+          <a:fillRef idx="0">
+            <a:schemeClr val="accent1"/>
+          </a:fillRef>
+          <a:effectRef idx="0">
+            <a:schemeClr val="accent1"/>
+          </a:effectRef>
+          <a:fontRef idx="minor">
+            <a:schemeClr val="tx1"/>
+          </a:fontRef>
+        </p:style>
+        <p:txBody>
+          <a:bodyPr rtlCol="0" anchor="ctr"/>
+          <a:lstStyle/>
+          <a:p>
+            <a:pPr algn="ctr"/>
             <a:endParaRPr lang="en-US" dirty="0"/>
           </a:p>
         </p:txBody>
@@ -4193,9 +5225,14 @@
             <p:ph idx="1"/>
           </p:nvPr>
         </p:nvSpPr>
-        <p:spPr/>
-        <p:txBody>
-          <a:bodyPr vert="horz" lIns="91440" tIns="45720" rIns="91440" bIns="45720" rtlCol="0" anchor="t">
+        <p:spPr>
+          <a:xfrm>
+            <a:off x="4447308" y="591344"/>
+            <a:ext cx="6906491" cy="5585619"/>
+          </a:xfrm>
+        </p:spPr>
+        <p:txBody>
+          <a:bodyPr vert="horz" lIns="91440" tIns="45720" rIns="91440" bIns="45720" rtlCol="0" anchor="ctr">
             <a:normAutofit/>
           </a:bodyPr>
           <a:lstStyle/>
@@ -4233,6 +5270,14 @@
 <file path=ppt/slides/slide2.xml><?xml version="1.0" encoding="utf-8"?>
 <p:sld xmlns:a="http://schemas.openxmlformats.org/drawingml/2006/main" xmlns:r="http://schemas.openxmlformats.org/officeDocument/2006/relationships" xmlns:p="http://schemas.openxmlformats.org/presentationml/2006/main">
   <p:cSld>
+    <p:bg>
+      <p:bgPr>
+        <a:solidFill>
+          <a:schemeClr val="bg1"/>
+        </a:solidFill>
+        <a:effectLst/>
+      </p:bgPr>
+    </p:bg>
     <p:spTree>
       <p:nvGrpSpPr>
         <p:cNvPr id="1" name=""/>
@@ -4247,6 +5292,129 @@
           <a:chExt cx="0" cy="0"/>
         </a:xfrm>
       </p:grpSpPr>
+      <p:sp useBgFill="1">
+        <p:nvSpPr>
+          <p:cNvPr id="27" name="Rectangle 26">
+            <a:extLst>
+              <a:ext uri="{FF2B5EF4-FFF2-40B4-BE49-F238E27FC236}">
+                <a16:creationId xmlns:a16="http://schemas.microsoft.com/office/drawing/2014/main" id="{389575E1-3389-451A-A5F7-27854C25C599}"/>
+              </a:ext>
+              <a:ext uri="{C183D7F6-B498-43B3-948B-1728B52AA6E4}">
+                <adec:decorative xmlns:adec="http://schemas.microsoft.com/office/drawing/2017/decorative" val="1"/>
+              </a:ext>
+            </a:extLst>
+          </p:cNvPr>
+          <p:cNvSpPr>
+            <a:spLocks noGrp="1" noRot="1" noChangeAspect="1" noMove="1" noResize="1" noEditPoints="1" noAdjustHandles="1" noChangeArrowheads="1" noChangeShapeType="1" noTextEdit="1"/>
+          </p:cNvSpPr>
+          <p:nvPr>
+            <p:extLst>
+              <p:ext uri="{386F3935-93C4-4BCD-93E2-E3B085C9AB24}">
+                <p16:designElem xmlns:p16="http://schemas.microsoft.com/office/powerpoint/2015/main" val="1"/>
+              </p:ext>
+            </p:extLst>
+          </p:nvPr>
+        </p:nvSpPr>
+        <p:spPr>
+          <a:xfrm>
+            <a:off x="3048" y="4293"/>
+            <a:ext cx="12188952" cy="6858000"/>
+          </a:xfrm>
+          <a:prstGeom prst="rect">
+            <a:avLst/>
+          </a:prstGeom>
+          <a:ln>
+            <a:noFill/>
+          </a:ln>
+        </p:spPr>
+        <p:style>
+          <a:lnRef idx="2">
+            <a:schemeClr val="accent1">
+              <a:shade val="50000"/>
+            </a:schemeClr>
+          </a:lnRef>
+          <a:fillRef idx="1">
+            <a:schemeClr val="accent1"/>
+          </a:fillRef>
+          <a:effectRef idx="0">
+            <a:schemeClr val="accent1"/>
+          </a:effectRef>
+          <a:fontRef idx="minor">
+            <a:schemeClr val="lt1"/>
+          </a:fontRef>
+        </p:style>
+        <p:txBody>
+          <a:bodyPr rtlCol="0" anchor="ctr"/>
+          <a:lstStyle/>
+          <a:p>
+            <a:pPr algn="ctr"/>
+            <a:endParaRPr lang="en-US"/>
+          </a:p>
+        </p:txBody>
+      </p:sp>
+      <p:sp>
+        <p:nvSpPr>
+          <p:cNvPr id="29" name="Rectangle 28">
+            <a:extLst>
+              <a:ext uri="{FF2B5EF4-FFF2-40B4-BE49-F238E27FC236}">
+                <a16:creationId xmlns:a16="http://schemas.microsoft.com/office/drawing/2014/main" id="{A53CCC5C-D88E-40FB-B30B-23DCDBD01D37}"/>
+              </a:ext>
+              <a:ext uri="{C183D7F6-B498-43B3-948B-1728B52AA6E4}">
+                <adec:decorative xmlns:adec="http://schemas.microsoft.com/office/drawing/2017/decorative" val="1"/>
+              </a:ext>
+            </a:extLst>
+          </p:cNvPr>
+          <p:cNvSpPr>
+            <a:spLocks noGrp="1" noRot="1" noChangeAspect="1" noMove="1" noResize="1" noEditPoints="1" noAdjustHandles="1" noChangeArrowheads="1" noChangeShapeType="1" noTextEdit="1"/>
+          </p:cNvSpPr>
+          <p:nvPr>
+            <p:extLst>
+              <p:ext uri="{386F3935-93C4-4BCD-93E2-E3B085C9AB24}">
+                <p16:designElem xmlns:p16="http://schemas.microsoft.com/office/powerpoint/2015/main" val="1"/>
+              </p:ext>
+            </p:extLst>
+          </p:nvPr>
+        </p:nvSpPr>
+        <p:spPr>
+          <a:xfrm>
+            <a:off x="0" y="-4"/>
+            <a:ext cx="4167268" cy="6858004"/>
+          </a:xfrm>
+          <a:prstGeom prst="rect">
+            <a:avLst/>
+          </a:prstGeom>
+          <a:solidFill>
+            <a:schemeClr val="accent2"/>
+          </a:solidFill>
+          <a:ln>
+            <a:noFill/>
+          </a:ln>
+        </p:spPr>
+        <p:style>
+          <a:lnRef idx="2">
+            <a:schemeClr val="accent1">
+              <a:shade val="50000"/>
+            </a:schemeClr>
+          </a:lnRef>
+          <a:fillRef idx="1">
+            <a:schemeClr val="accent1"/>
+          </a:fillRef>
+          <a:effectRef idx="0">
+            <a:schemeClr val="accent1"/>
+          </a:effectRef>
+          <a:fontRef idx="minor">
+            <a:schemeClr val="lt1"/>
+          </a:fontRef>
+        </p:style>
+        <p:txBody>
+          <a:bodyPr rtlCol="0" anchor="ctr"/>
+          <a:lstStyle/>
+          <a:p>
+            <a:pPr algn="ctr"/>
+            <a:endParaRPr lang="en-US"/>
+          </a:p>
+        </p:txBody>
+      </p:sp>
       <p:sp>
         <p:nvSpPr>
           <p:cNvPr id="2" name="Title 1">
@@ -4263,13 +5431,23 @@
             <p:ph type="title"/>
           </p:nvPr>
         </p:nvSpPr>
-        <p:spPr/>
-        <p:txBody>
-          <a:bodyPr/>
-          <a:lstStyle/>
-          <a:p>
-            <a:r>
-              <a:rPr lang="en-US" dirty="0">
+        <p:spPr>
+          <a:xfrm>
+            <a:off x="686834" y="591344"/>
+            <a:ext cx="3200400" cy="5585619"/>
+          </a:xfrm>
+        </p:spPr>
+        <p:txBody>
+          <a:bodyPr>
+            <a:normAutofit/>
+          </a:bodyPr>
+          <a:lstStyle/>
+          <a:p>
+            <a:r>
+              <a:rPr lang="en-US">
+                <a:solidFill>
+                  <a:srgbClr val="FFFFFF"/>
+                </a:solidFill>
                 <a:cs typeface="Calibri Light"/>
               </a:rPr>
               <a:t>Who Am I</a:t>
@@ -4279,7 +5457,68 @@
       </p:sp>
       <p:sp>
         <p:nvSpPr>
-          <p:cNvPr id="3" name="Content Placeholder 2">
+          <p:cNvPr id="31" name="Arc 30">
+            <a:extLst>
+              <a:ext uri="{FF2B5EF4-FFF2-40B4-BE49-F238E27FC236}">
+                <a16:creationId xmlns:a16="http://schemas.microsoft.com/office/drawing/2014/main" id="{081E4A58-353D-44AE-B2FC-2A74E2E400F7}"/>
+              </a:ext>
+              <a:ext uri="{C183D7F6-B498-43B3-948B-1728B52AA6E4}">
+                <adec:decorative xmlns:adec="http://schemas.microsoft.com/office/drawing/2017/decorative" val="1"/>
+              </a:ext>
+            </a:extLst>
+          </p:cNvPr>
+          <p:cNvSpPr>
+            <a:spLocks noGrp="1" noRot="1" noChangeAspect="1" noMove="1" noResize="1" noEditPoints="1" noAdjustHandles="1" noChangeArrowheads="1" noChangeShapeType="1" noTextEdit="1"/>
+          </p:cNvSpPr>
+          <p:nvPr>
+            <p:extLst>
+              <p:ext uri="{386F3935-93C4-4BCD-93E2-E3B085C9AB24}">
+                <p16:designElem xmlns:p16="http://schemas.microsoft.com/office/powerpoint/2015/main" val="1"/>
+              </p:ext>
+            </p:extLst>
+          </p:nvPr>
+        </p:nvSpPr>
+        <p:spPr>
+          <a:xfrm flipV="1">
+            <a:off x="7550402" y="2455479"/>
+            <a:ext cx="4083433" cy="4083433"/>
+          </a:xfrm>
+          <a:prstGeom prst="arc">
+            <a:avLst/>
+          </a:prstGeom>
+          <a:ln w="127000" cap="rnd">
+            <a:solidFill>
+              <a:schemeClr val="accent4"/>
+            </a:solidFill>
+            <a:prstDash val="dash"/>
+          </a:ln>
+        </p:spPr>
+        <p:style>
+          <a:lnRef idx="1">
+            <a:schemeClr val="accent1"/>
+          </a:lnRef>
+          <a:fillRef idx="0">
+            <a:schemeClr val="accent1"/>
+          </a:fillRef>
+          <a:effectRef idx="0">
+            <a:schemeClr val="accent1"/>
+          </a:effectRef>
+          <a:fontRef idx="minor">
+            <a:schemeClr val="tx1"/>
+          </a:fontRef>
+        </p:style>
+        <p:txBody>
+          <a:bodyPr rtlCol="0" anchor="ctr"/>
+          <a:lstStyle/>
+          <a:p>
+            <a:pPr algn="ctr"/>
+            <a:endParaRPr lang="en-US" dirty="0"/>
+          </a:p>
+        </p:txBody>
+      </p:sp>
+      <p:sp>
+        <p:nvSpPr>
+          <p:cNvPr id="15" name="Content Placeholder 2">
             <a:extLst>
               <a:ext uri="{FF2B5EF4-FFF2-40B4-BE49-F238E27FC236}">
                 <a16:creationId xmlns:a16="http://schemas.microsoft.com/office/drawing/2014/main" id="{BB7051BB-09C8-4CC2-FA5F-D0917C75881B}"/>
@@ -4293,15 +5532,20 @@
             <p:ph idx="1"/>
           </p:nvPr>
         </p:nvSpPr>
-        <p:spPr/>
-        <p:txBody>
-          <a:bodyPr vert="horz" lIns="91440" tIns="45720" rIns="91440" bIns="45720" rtlCol="0" anchor="t">
+        <p:spPr>
+          <a:xfrm>
+            <a:off x="4447308" y="591344"/>
+            <a:ext cx="6906491" cy="5585619"/>
+          </a:xfrm>
+        </p:spPr>
+        <p:txBody>
+          <a:bodyPr vert="horz" lIns="91440" tIns="45720" rIns="91440" bIns="45720" rtlCol="0" anchor="ctr">
             <a:normAutofit/>
           </a:bodyPr>
           <a:lstStyle/>
           <a:p>
             <a:r>
-              <a:rPr lang="en-US" dirty="0">
+              <a:rPr lang="en-US">
                 <a:cs typeface="Calibri"/>
               </a:rPr>
               <a:t>Software Engineer at a Hedge Fund</a:t>
@@ -4309,7 +5553,7 @@
           </a:p>
           <a:p>
             <a:r>
-              <a:rPr lang="en-US" dirty="0">
+              <a:rPr lang="en-US">
                 <a:cs typeface="Calibri"/>
               </a:rPr>
               <a:t>Graduated 2018 from Warwick</a:t>
@@ -4317,14 +5561,14 @@
           </a:p>
           <a:p>
             <a:r>
-              <a:rPr lang="en-US" dirty="0">
+              <a:rPr lang="en-US">
                 <a:cs typeface="Calibri"/>
               </a:rPr>
               <a:t>Held Three Jobs in the IT/Finance Sector since graduating</a:t>
             </a:r>
           </a:p>
           <a:p>
-            <a:endParaRPr lang="en-US" dirty="0">
+            <a:endParaRPr lang="en-US">
               <a:cs typeface="Calibri"/>
             </a:endParaRPr>
           </a:p>
@@ -4346,6 +5590,14 @@
 <file path=ppt/slides/slide3.xml><?xml version="1.0" encoding="utf-8"?>
 <p:sld xmlns:a="http://schemas.openxmlformats.org/drawingml/2006/main" xmlns:r="http://schemas.openxmlformats.org/officeDocument/2006/relationships" xmlns:p="http://schemas.openxmlformats.org/presentationml/2006/main">
   <p:cSld>
+    <p:bg>
+      <p:bgPr>
+        <a:solidFill>
+          <a:schemeClr val="bg1"/>
+        </a:solidFill>
+        <a:effectLst/>
+      </p:bgPr>
+    </p:bg>
     <p:spTree>
       <p:nvGrpSpPr>
         <p:cNvPr id="1" name=""/>
@@ -4360,6 +5612,129 @@
           <a:chExt cx="0" cy="0"/>
         </a:xfrm>
       </p:grpSpPr>
+      <p:sp useBgFill="1">
+        <p:nvSpPr>
+          <p:cNvPr id="20" name="Rectangle 19">
+            <a:extLst>
+              <a:ext uri="{FF2B5EF4-FFF2-40B4-BE49-F238E27FC236}">
+                <a16:creationId xmlns:a16="http://schemas.microsoft.com/office/drawing/2014/main" id="{389575E1-3389-451A-A5F7-27854C25C599}"/>
+              </a:ext>
+              <a:ext uri="{C183D7F6-B498-43B3-948B-1728B52AA6E4}">
+                <adec:decorative xmlns:adec="http://schemas.microsoft.com/office/drawing/2017/decorative" val="1"/>
+              </a:ext>
+            </a:extLst>
+          </p:cNvPr>
+          <p:cNvSpPr>
+            <a:spLocks noGrp="1" noRot="1" noChangeAspect="1" noMove="1" noResize="1" noEditPoints="1" noAdjustHandles="1" noChangeArrowheads="1" noChangeShapeType="1" noTextEdit="1"/>
+          </p:cNvSpPr>
+          <p:nvPr>
+            <p:extLst>
+              <p:ext uri="{386F3935-93C4-4BCD-93E2-E3B085C9AB24}">
+                <p16:designElem xmlns:p16="http://schemas.microsoft.com/office/powerpoint/2015/main" val="1"/>
+              </p:ext>
+            </p:extLst>
+          </p:nvPr>
+        </p:nvSpPr>
+        <p:spPr>
+          <a:xfrm>
+            <a:off x="3048" y="4293"/>
+            <a:ext cx="12188952" cy="6858000"/>
+          </a:xfrm>
+          <a:prstGeom prst="rect">
+            <a:avLst/>
+          </a:prstGeom>
+          <a:ln>
+            <a:noFill/>
+          </a:ln>
+        </p:spPr>
+        <p:style>
+          <a:lnRef idx="2">
+            <a:schemeClr val="accent1">
+              <a:shade val="50000"/>
+            </a:schemeClr>
+          </a:lnRef>
+          <a:fillRef idx="1">
+            <a:schemeClr val="accent1"/>
+          </a:fillRef>
+          <a:effectRef idx="0">
+            <a:schemeClr val="accent1"/>
+          </a:effectRef>
+          <a:fontRef idx="minor">
+            <a:schemeClr val="lt1"/>
+          </a:fontRef>
+        </p:style>
+        <p:txBody>
+          <a:bodyPr rtlCol="0" anchor="ctr"/>
+          <a:lstStyle/>
+          <a:p>
+            <a:pPr algn="ctr"/>
+            <a:endParaRPr lang="en-US"/>
+          </a:p>
+        </p:txBody>
+      </p:sp>
+      <p:sp>
+        <p:nvSpPr>
+          <p:cNvPr id="22" name="Rectangle 21">
+            <a:extLst>
+              <a:ext uri="{FF2B5EF4-FFF2-40B4-BE49-F238E27FC236}">
+                <a16:creationId xmlns:a16="http://schemas.microsoft.com/office/drawing/2014/main" id="{A53CCC5C-D88E-40FB-B30B-23DCDBD01D37}"/>
+              </a:ext>
+              <a:ext uri="{C183D7F6-B498-43B3-948B-1728B52AA6E4}">
+                <adec:decorative xmlns:adec="http://schemas.microsoft.com/office/drawing/2017/decorative" val="1"/>
+              </a:ext>
+            </a:extLst>
+          </p:cNvPr>
+          <p:cNvSpPr>
+            <a:spLocks noGrp="1" noRot="1" noChangeAspect="1" noMove="1" noResize="1" noEditPoints="1" noAdjustHandles="1" noChangeArrowheads="1" noChangeShapeType="1" noTextEdit="1"/>
+          </p:cNvSpPr>
+          <p:nvPr>
+            <p:extLst>
+              <p:ext uri="{386F3935-93C4-4BCD-93E2-E3B085C9AB24}">
+                <p16:designElem xmlns:p16="http://schemas.microsoft.com/office/powerpoint/2015/main" val="1"/>
+              </p:ext>
+            </p:extLst>
+          </p:nvPr>
+        </p:nvSpPr>
+        <p:spPr>
+          <a:xfrm>
+            <a:off x="0" y="-4"/>
+            <a:ext cx="4167268" cy="6858004"/>
+          </a:xfrm>
+          <a:prstGeom prst="rect">
+            <a:avLst/>
+          </a:prstGeom>
+          <a:solidFill>
+            <a:schemeClr val="accent2"/>
+          </a:solidFill>
+          <a:ln>
+            <a:noFill/>
+          </a:ln>
+        </p:spPr>
+        <p:style>
+          <a:lnRef idx="2">
+            <a:schemeClr val="accent1">
+              <a:shade val="50000"/>
+            </a:schemeClr>
+          </a:lnRef>
+          <a:fillRef idx="1">
+            <a:schemeClr val="accent1"/>
+          </a:fillRef>
+          <a:effectRef idx="0">
+            <a:schemeClr val="accent1"/>
+          </a:effectRef>
+          <a:fontRef idx="minor">
+            <a:schemeClr val="lt1"/>
+          </a:fontRef>
+        </p:style>
+        <p:txBody>
+          <a:bodyPr rtlCol="0" anchor="ctr"/>
+          <a:lstStyle/>
+          <a:p>
+            <a:pPr algn="ctr"/>
+            <a:endParaRPr lang="en-US"/>
+          </a:p>
+        </p:txBody>
+      </p:sp>
       <p:sp>
         <p:nvSpPr>
           <p:cNvPr id="2" name="Title 1">
@@ -4376,17 +5751,92 @@
             <p:ph type="title"/>
           </p:nvPr>
         </p:nvSpPr>
-        <p:spPr/>
-        <p:txBody>
-          <a:bodyPr/>
-          <a:lstStyle/>
-          <a:p>
-            <a:r>
-              <a:rPr lang="en-US" dirty="0">
+        <p:spPr>
+          <a:xfrm>
+            <a:off x="686834" y="591344"/>
+            <a:ext cx="3200400" cy="5585619"/>
+          </a:xfrm>
+        </p:spPr>
+        <p:txBody>
+          <a:bodyPr>
+            <a:normAutofit/>
+          </a:bodyPr>
+          <a:lstStyle/>
+          <a:p>
+            <a:r>
+              <a:rPr lang="en-US">
+                <a:solidFill>
+                  <a:srgbClr val="FFFFFF"/>
+                </a:solidFill>
                 <a:cs typeface="Calibri Light"/>
               </a:rPr>
               <a:t>Show of Hands</a:t>
             </a:r>
+            <a:endParaRPr lang="en-US">
+              <a:solidFill>
+                <a:srgbClr val="FFFFFF"/>
+              </a:solidFill>
+            </a:endParaRPr>
+          </a:p>
+        </p:txBody>
+      </p:sp>
+      <p:sp>
+        <p:nvSpPr>
+          <p:cNvPr id="24" name="Arc 23">
+            <a:extLst>
+              <a:ext uri="{FF2B5EF4-FFF2-40B4-BE49-F238E27FC236}">
+                <a16:creationId xmlns:a16="http://schemas.microsoft.com/office/drawing/2014/main" id="{081E4A58-353D-44AE-B2FC-2A74E2E400F7}"/>
+              </a:ext>
+              <a:ext uri="{C183D7F6-B498-43B3-948B-1728B52AA6E4}">
+                <adec:decorative xmlns:adec="http://schemas.microsoft.com/office/drawing/2017/decorative" val="1"/>
+              </a:ext>
+            </a:extLst>
+          </p:cNvPr>
+          <p:cNvSpPr>
+            <a:spLocks noGrp="1" noRot="1" noChangeAspect="1" noMove="1" noResize="1" noEditPoints="1" noAdjustHandles="1" noChangeArrowheads="1" noChangeShapeType="1" noTextEdit="1"/>
+          </p:cNvSpPr>
+          <p:nvPr>
+            <p:extLst>
+              <p:ext uri="{386F3935-93C4-4BCD-93E2-E3B085C9AB24}">
+                <p16:designElem xmlns:p16="http://schemas.microsoft.com/office/powerpoint/2015/main" val="1"/>
+              </p:ext>
+            </p:extLst>
+          </p:nvPr>
+        </p:nvSpPr>
+        <p:spPr>
+          <a:xfrm flipV="1">
+            <a:off x="7550402" y="2455479"/>
+            <a:ext cx="4083433" cy="4083433"/>
+          </a:xfrm>
+          <a:prstGeom prst="arc">
+            <a:avLst/>
+          </a:prstGeom>
+          <a:ln w="127000" cap="rnd">
+            <a:solidFill>
+              <a:schemeClr val="accent4"/>
+            </a:solidFill>
+            <a:prstDash val="dash"/>
+          </a:ln>
+        </p:spPr>
+        <p:style>
+          <a:lnRef idx="1">
+            <a:schemeClr val="accent1"/>
+          </a:lnRef>
+          <a:fillRef idx="0">
+            <a:schemeClr val="accent1"/>
+          </a:fillRef>
+          <a:effectRef idx="0">
+            <a:schemeClr val="accent1"/>
+          </a:effectRef>
+          <a:fontRef idx="minor">
+            <a:schemeClr val="tx1"/>
+          </a:fontRef>
+        </p:style>
+        <p:txBody>
+          <a:bodyPr rtlCol="0" anchor="ctr"/>
+          <a:lstStyle/>
+          <a:p>
+            <a:pPr algn="ctr"/>
             <a:endParaRPr lang="en-US" dirty="0"/>
           </a:p>
         </p:txBody>
@@ -4407,15 +5857,20 @@
             <p:ph idx="1"/>
           </p:nvPr>
         </p:nvSpPr>
-        <p:spPr/>
-        <p:txBody>
-          <a:bodyPr vert="horz" lIns="91440" tIns="45720" rIns="91440" bIns="45720" rtlCol="0" anchor="t">
+        <p:spPr>
+          <a:xfrm>
+            <a:off x="4447308" y="591344"/>
+            <a:ext cx="6906491" cy="5585619"/>
+          </a:xfrm>
+        </p:spPr>
+        <p:txBody>
+          <a:bodyPr vert="horz" lIns="91440" tIns="45720" rIns="91440" bIns="45720" rtlCol="0" anchor="ctr">
             <a:normAutofit/>
           </a:bodyPr>
           <a:lstStyle/>
           <a:p>
             <a:r>
-              <a:rPr lang="en-US" dirty="0">
+              <a:rPr lang="en-US">
                 <a:cs typeface="Calibri"/>
               </a:rPr>
               <a:t>Who's interested in</a:t>
@@ -4424,7 +5879,7 @@
           <a:p>
             <a:pPr lvl="1"/>
             <a:r>
-              <a:rPr lang="en-US" dirty="0">
+              <a:rPr lang="en-US">
                 <a:cs typeface="Calibri"/>
               </a:rPr>
               <a:t>University</a:t>
@@ -4438,18 +5893,18 @@
               </a:rPr>
               <a:t>Finance</a:t>
             </a:r>
+          </a:p>
+          <a:p>
+            <a:pPr lvl="1"/>
+            <a:r>
+              <a:rPr lang="en-US">
+                <a:cs typeface="Calibri"/>
+              </a:rPr>
+              <a:t>Tech</a:t>
+            </a:r>
             <a:endParaRPr lang="en-US" dirty="0">
               <a:cs typeface="Calibri"/>
             </a:endParaRPr>
-          </a:p>
-          <a:p>
-            <a:pPr lvl="1"/>
-            <a:r>
-              <a:rPr lang="en-US" dirty="0">
-                <a:cs typeface="Calibri"/>
-              </a:rPr>
-              <a:t>Tech</a:t>
-            </a:r>
           </a:p>
         </p:txBody>
       </p:sp>
@@ -4469,6 +5924,14 @@
 <file path=ppt/slides/slide4.xml><?xml version="1.0" encoding="utf-8"?>
 <p:sld xmlns:a="http://schemas.openxmlformats.org/drawingml/2006/main" xmlns:r="http://schemas.openxmlformats.org/officeDocument/2006/relationships" xmlns:p="http://schemas.openxmlformats.org/presentationml/2006/main">
   <p:cSld>
+    <p:bg>
+      <p:bgPr>
+        <a:solidFill>
+          <a:schemeClr val="bg1"/>
+        </a:solidFill>
+        <a:effectLst/>
+      </p:bgPr>
+    </p:bg>
     <p:spTree>
       <p:nvGrpSpPr>
         <p:cNvPr id="1" name=""/>
@@ -4483,6 +5946,129 @@
           <a:chExt cx="0" cy="0"/>
         </a:xfrm>
       </p:grpSpPr>
+      <p:sp useBgFill="1">
+        <p:nvSpPr>
+          <p:cNvPr id="8" name="Rectangle 7">
+            <a:extLst>
+              <a:ext uri="{FF2B5EF4-FFF2-40B4-BE49-F238E27FC236}">
+                <a16:creationId xmlns:a16="http://schemas.microsoft.com/office/drawing/2014/main" id="{389575E1-3389-451A-A5F7-27854C25C599}"/>
+              </a:ext>
+              <a:ext uri="{C183D7F6-B498-43B3-948B-1728B52AA6E4}">
+                <adec:decorative xmlns:adec="http://schemas.microsoft.com/office/drawing/2017/decorative" val="1"/>
+              </a:ext>
+            </a:extLst>
+          </p:cNvPr>
+          <p:cNvSpPr>
+            <a:spLocks noGrp="1" noRot="1" noChangeAspect="1" noMove="1" noResize="1" noEditPoints="1" noAdjustHandles="1" noChangeArrowheads="1" noChangeShapeType="1" noTextEdit="1"/>
+          </p:cNvSpPr>
+          <p:nvPr>
+            <p:extLst>
+              <p:ext uri="{386F3935-93C4-4BCD-93E2-E3B085C9AB24}">
+                <p16:designElem xmlns:p16="http://schemas.microsoft.com/office/powerpoint/2015/main" val="1"/>
+              </p:ext>
+            </p:extLst>
+          </p:nvPr>
+        </p:nvSpPr>
+        <p:spPr>
+          <a:xfrm>
+            <a:off x="3048" y="4293"/>
+            <a:ext cx="12188952" cy="6858000"/>
+          </a:xfrm>
+          <a:prstGeom prst="rect">
+            <a:avLst/>
+          </a:prstGeom>
+          <a:ln>
+            <a:noFill/>
+          </a:ln>
+        </p:spPr>
+        <p:style>
+          <a:lnRef idx="2">
+            <a:schemeClr val="accent1">
+              <a:shade val="50000"/>
+            </a:schemeClr>
+          </a:lnRef>
+          <a:fillRef idx="1">
+            <a:schemeClr val="accent1"/>
+          </a:fillRef>
+          <a:effectRef idx="0">
+            <a:schemeClr val="accent1"/>
+          </a:effectRef>
+          <a:fontRef idx="minor">
+            <a:schemeClr val="lt1"/>
+          </a:fontRef>
+        </p:style>
+        <p:txBody>
+          <a:bodyPr rtlCol="0" anchor="ctr"/>
+          <a:lstStyle/>
+          <a:p>
+            <a:pPr algn="ctr"/>
+            <a:endParaRPr lang="en-US"/>
+          </a:p>
+        </p:txBody>
+      </p:sp>
+      <p:sp>
+        <p:nvSpPr>
+          <p:cNvPr id="10" name="Rectangle 9">
+            <a:extLst>
+              <a:ext uri="{FF2B5EF4-FFF2-40B4-BE49-F238E27FC236}">
+                <a16:creationId xmlns:a16="http://schemas.microsoft.com/office/drawing/2014/main" id="{A53CCC5C-D88E-40FB-B30B-23DCDBD01D37}"/>
+              </a:ext>
+              <a:ext uri="{C183D7F6-B498-43B3-948B-1728B52AA6E4}">
+                <adec:decorative xmlns:adec="http://schemas.microsoft.com/office/drawing/2017/decorative" val="1"/>
+              </a:ext>
+            </a:extLst>
+          </p:cNvPr>
+          <p:cNvSpPr>
+            <a:spLocks noGrp="1" noRot="1" noChangeAspect="1" noMove="1" noResize="1" noEditPoints="1" noAdjustHandles="1" noChangeArrowheads="1" noChangeShapeType="1" noTextEdit="1"/>
+          </p:cNvSpPr>
+          <p:nvPr>
+            <p:extLst>
+              <p:ext uri="{386F3935-93C4-4BCD-93E2-E3B085C9AB24}">
+                <p16:designElem xmlns:p16="http://schemas.microsoft.com/office/powerpoint/2015/main" val="1"/>
+              </p:ext>
+            </p:extLst>
+          </p:nvPr>
+        </p:nvSpPr>
+        <p:spPr>
+          <a:xfrm>
+            <a:off x="0" y="-4"/>
+            <a:ext cx="4167268" cy="6858004"/>
+          </a:xfrm>
+          <a:prstGeom prst="rect">
+            <a:avLst/>
+          </a:prstGeom>
+          <a:solidFill>
+            <a:schemeClr val="accent2"/>
+          </a:solidFill>
+          <a:ln>
+            <a:noFill/>
+          </a:ln>
+        </p:spPr>
+        <p:style>
+          <a:lnRef idx="2">
+            <a:schemeClr val="accent1">
+              <a:shade val="50000"/>
+            </a:schemeClr>
+          </a:lnRef>
+          <a:fillRef idx="1">
+            <a:schemeClr val="accent1"/>
+          </a:fillRef>
+          <a:effectRef idx="0">
+            <a:schemeClr val="accent1"/>
+          </a:effectRef>
+          <a:fontRef idx="minor">
+            <a:schemeClr val="lt1"/>
+          </a:fontRef>
+        </p:style>
+        <p:txBody>
+          <a:bodyPr rtlCol="0" anchor="ctr"/>
+          <a:lstStyle/>
+          <a:p>
+            <a:pPr algn="ctr"/>
+            <a:endParaRPr lang="en-US"/>
+          </a:p>
+        </p:txBody>
+      </p:sp>
       <p:sp>
         <p:nvSpPr>
           <p:cNvPr id="2" name="Title 1">
@@ -4499,17 +6085,92 @@
             <p:ph type="title"/>
           </p:nvPr>
         </p:nvSpPr>
-        <p:spPr/>
-        <p:txBody>
-          <a:bodyPr/>
-          <a:lstStyle/>
-          <a:p>
-            <a:r>
-              <a:rPr lang="en-US" dirty="0">
+        <p:spPr>
+          <a:xfrm>
+            <a:off x="686834" y="591344"/>
+            <a:ext cx="3200400" cy="5585619"/>
+          </a:xfrm>
+        </p:spPr>
+        <p:txBody>
+          <a:bodyPr>
+            <a:normAutofit/>
+          </a:bodyPr>
+          <a:lstStyle/>
+          <a:p>
+            <a:r>
+              <a:rPr lang="en-US">
+                <a:solidFill>
+                  <a:srgbClr val="FFFFFF"/>
+                </a:solidFill>
                 <a:cs typeface="Calibri Light"/>
               </a:rPr>
               <a:t>University</a:t>
             </a:r>
+            <a:endParaRPr lang="en-US">
+              <a:solidFill>
+                <a:srgbClr val="FFFFFF"/>
+              </a:solidFill>
+            </a:endParaRPr>
+          </a:p>
+        </p:txBody>
+      </p:sp>
+      <p:sp>
+        <p:nvSpPr>
+          <p:cNvPr id="12" name="Arc 11">
+            <a:extLst>
+              <a:ext uri="{FF2B5EF4-FFF2-40B4-BE49-F238E27FC236}">
+                <a16:creationId xmlns:a16="http://schemas.microsoft.com/office/drawing/2014/main" id="{081E4A58-353D-44AE-B2FC-2A74E2E400F7}"/>
+              </a:ext>
+              <a:ext uri="{C183D7F6-B498-43B3-948B-1728B52AA6E4}">
+                <adec:decorative xmlns:adec="http://schemas.microsoft.com/office/drawing/2017/decorative" val="1"/>
+              </a:ext>
+            </a:extLst>
+          </p:cNvPr>
+          <p:cNvSpPr>
+            <a:spLocks noGrp="1" noRot="1" noChangeAspect="1" noMove="1" noResize="1" noEditPoints="1" noAdjustHandles="1" noChangeArrowheads="1" noChangeShapeType="1" noTextEdit="1"/>
+          </p:cNvSpPr>
+          <p:nvPr>
+            <p:extLst>
+              <p:ext uri="{386F3935-93C4-4BCD-93E2-E3B085C9AB24}">
+                <p16:designElem xmlns:p16="http://schemas.microsoft.com/office/powerpoint/2015/main" val="1"/>
+              </p:ext>
+            </p:extLst>
+          </p:nvPr>
+        </p:nvSpPr>
+        <p:spPr>
+          <a:xfrm flipV="1">
+            <a:off x="7550402" y="2455479"/>
+            <a:ext cx="4083433" cy="4083433"/>
+          </a:xfrm>
+          <a:prstGeom prst="arc">
+            <a:avLst/>
+          </a:prstGeom>
+          <a:ln w="127000" cap="rnd">
+            <a:solidFill>
+              <a:schemeClr val="accent4"/>
+            </a:solidFill>
+            <a:prstDash val="dash"/>
+          </a:ln>
+        </p:spPr>
+        <p:style>
+          <a:lnRef idx="1">
+            <a:schemeClr val="accent1"/>
+          </a:lnRef>
+          <a:fillRef idx="0">
+            <a:schemeClr val="accent1"/>
+          </a:fillRef>
+          <a:effectRef idx="0">
+            <a:schemeClr val="accent1"/>
+          </a:effectRef>
+          <a:fontRef idx="minor">
+            <a:schemeClr val="tx1"/>
+          </a:fontRef>
+        </p:style>
+        <p:txBody>
+          <a:bodyPr rtlCol="0" anchor="ctr"/>
+          <a:lstStyle/>
+          <a:p>
+            <a:pPr algn="ctr"/>
             <a:endParaRPr lang="en-US" dirty="0"/>
           </a:p>
         </p:txBody>
@@ -4530,9 +6191,14 @@
             <p:ph idx="1"/>
           </p:nvPr>
         </p:nvSpPr>
-        <p:spPr/>
-        <p:txBody>
-          <a:bodyPr vert="horz" lIns="91440" tIns="45720" rIns="91440" bIns="45720" rtlCol="0" anchor="t">
+        <p:spPr>
+          <a:xfrm>
+            <a:off x="4447308" y="591344"/>
+            <a:ext cx="6906491" cy="5585619"/>
+          </a:xfrm>
+        </p:spPr>
+        <p:txBody>
+          <a:bodyPr vert="horz" lIns="91440" tIns="45720" rIns="91440" bIns="45720" rtlCol="0" anchor="ctr">
             <a:normAutofit/>
           </a:bodyPr>
           <a:lstStyle/>
@@ -4577,6 +6243,14 @@
 <file path=ppt/slides/slide5.xml><?xml version="1.0" encoding="utf-8"?>
 <p:sld xmlns:a="http://schemas.openxmlformats.org/drawingml/2006/main" xmlns:r="http://schemas.openxmlformats.org/officeDocument/2006/relationships" xmlns:p="http://schemas.openxmlformats.org/presentationml/2006/main">
   <p:cSld>
+    <p:bg>
+      <p:bgPr>
+        <a:solidFill>
+          <a:schemeClr val="bg1"/>
+        </a:solidFill>
+        <a:effectLst/>
+      </p:bgPr>
+    </p:bg>
     <p:spTree>
       <p:nvGrpSpPr>
         <p:cNvPr id="1" name=""/>
@@ -4591,6 +6265,129 @@
           <a:chExt cx="0" cy="0"/>
         </a:xfrm>
       </p:grpSpPr>
+      <p:sp useBgFill="1">
+        <p:nvSpPr>
+          <p:cNvPr id="8" name="Rectangle 7">
+            <a:extLst>
+              <a:ext uri="{FF2B5EF4-FFF2-40B4-BE49-F238E27FC236}">
+                <a16:creationId xmlns:a16="http://schemas.microsoft.com/office/drawing/2014/main" id="{389575E1-3389-451A-A5F7-27854C25C599}"/>
+              </a:ext>
+              <a:ext uri="{C183D7F6-B498-43B3-948B-1728B52AA6E4}">
+                <adec:decorative xmlns:adec="http://schemas.microsoft.com/office/drawing/2017/decorative" val="1"/>
+              </a:ext>
+            </a:extLst>
+          </p:cNvPr>
+          <p:cNvSpPr>
+            <a:spLocks noGrp="1" noRot="1" noChangeAspect="1" noMove="1" noResize="1" noEditPoints="1" noAdjustHandles="1" noChangeArrowheads="1" noChangeShapeType="1" noTextEdit="1"/>
+          </p:cNvSpPr>
+          <p:nvPr>
+            <p:extLst>
+              <p:ext uri="{386F3935-93C4-4BCD-93E2-E3B085C9AB24}">
+                <p16:designElem xmlns:p16="http://schemas.microsoft.com/office/powerpoint/2015/main" val="1"/>
+              </p:ext>
+            </p:extLst>
+          </p:nvPr>
+        </p:nvSpPr>
+        <p:spPr>
+          <a:xfrm>
+            <a:off x="3048" y="4293"/>
+            <a:ext cx="12188952" cy="6858000"/>
+          </a:xfrm>
+          <a:prstGeom prst="rect">
+            <a:avLst/>
+          </a:prstGeom>
+          <a:ln>
+            <a:noFill/>
+          </a:ln>
+        </p:spPr>
+        <p:style>
+          <a:lnRef idx="2">
+            <a:schemeClr val="accent1">
+              <a:shade val="50000"/>
+            </a:schemeClr>
+          </a:lnRef>
+          <a:fillRef idx="1">
+            <a:schemeClr val="accent1"/>
+          </a:fillRef>
+          <a:effectRef idx="0">
+            <a:schemeClr val="accent1"/>
+          </a:effectRef>
+          <a:fontRef idx="minor">
+            <a:schemeClr val="lt1"/>
+          </a:fontRef>
+        </p:style>
+        <p:txBody>
+          <a:bodyPr rtlCol="0" anchor="ctr"/>
+          <a:lstStyle/>
+          <a:p>
+            <a:pPr algn="ctr"/>
+            <a:endParaRPr lang="en-US"/>
+          </a:p>
+        </p:txBody>
+      </p:sp>
+      <p:sp>
+        <p:nvSpPr>
+          <p:cNvPr id="10" name="Rectangle 9">
+            <a:extLst>
+              <a:ext uri="{FF2B5EF4-FFF2-40B4-BE49-F238E27FC236}">
+                <a16:creationId xmlns:a16="http://schemas.microsoft.com/office/drawing/2014/main" id="{A53CCC5C-D88E-40FB-B30B-23DCDBD01D37}"/>
+              </a:ext>
+              <a:ext uri="{C183D7F6-B498-43B3-948B-1728B52AA6E4}">
+                <adec:decorative xmlns:adec="http://schemas.microsoft.com/office/drawing/2017/decorative" val="1"/>
+              </a:ext>
+            </a:extLst>
+          </p:cNvPr>
+          <p:cNvSpPr>
+            <a:spLocks noGrp="1" noRot="1" noChangeAspect="1" noMove="1" noResize="1" noEditPoints="1" noAdjustHandles="1" noChangeArrowheads="1" noChangeShapeType="1" noTextEdit="1"/>
+          </p:cNvSpPr>
+          <p:nvPr>
+            <p:extLst>
+              <p:ext uri="{386F3935-93C4-4BCD-93E2-E3B085C9AB24}">
+                <p16:designElem xmlns:p16="http://schemas.microsoft.com/office/powerpoint/2015/main" val="1"/>
+              </p:ext>
+            </p:extLst>
+          </p:nvPr>
+        </p:nvSpPr>
+        <p:spPr>
+          <a:xfrm>
+            <a:off x="0" y="-4"/>
+            <a:ext cx="4167268" cy="6858004"/>
+          </a:xfrm>
+          <a:prstGeom prst="rect">
+            <a:avLst/>
+          </a:prstGeom>
+          <a:solidFill>
+            <a:schemeClr val="accent2"/>
+          </a:solidFill>
+          <a:ln>
+            <a:noFill/>
+          </a:ln>
+        </p:spPr>
+        <p:style>
+          <a:lnRef idx="2">
+            <a:schemeClr val="accent1">
+              <a:shade val="50000"/>
+            </a:schemeClr>
+          </a:lnRef>
+          <a:fillRef idx="1">
+            <a:schemeClr val="accent1"/>
+          </a:fillRef>
+          <a:effectRef idx="0">
+            <a:schemeClr val="accent1"/>
+          </a:effectRef>
+          <a:fontRef idx="minor">
+            <a:schemeClr val="lt1"/>
+          </a:fontRef>
+        </p:style>
+        <p:txBody>
+          <a:bodyPr rtlCol="0" anchor="ctr"/>
+          <a:lstStyle/>
+          <a:p>
+            <a:pPr algn="ctr"/>
+            <a:endParaRPr lang="en-US"/>
+          </a:p>
+        </p:txBody>
+      </p:sp>
       <p:sp>
         <p:nvSpPr>
           <p:cNvPr id="2" name="Title 1">
@@ -4607,17 +6404,92 @@
             <p:ph type="title"/>
           </p:nvPr>
         </p:nvSpPr>
-        <p:spPr/>
-        <p:txBody>
-          <a:bodyPr/>
-          <a:lstStyle/>
-          <a:p>
-            <a:r>
-              <a:rPr lang="en-US" dirty="0">
+        <p:spPr>
+          <a:xfrm>
+            <a:off x="686834" y="591344"/>
+            <a:ext cx="3200400" cy="5585619"/>
+          </a:xfrm>
+        </p:spPr>
+        <p:txBody>
+          <a:bodyPr>
+            <a:normAutofit/>
+          </a:bodyPr>
+          <a:lstStyle/>
+          <a:p>
+            <a:r>
+              <a:rPr lang="en-US">
+                <a:solidFill>
+                  <a:srgbClr val="FFFFFF"/>
+                </a:solidFill>
                 <a:cs typeface="Calibri Light"/>
               </a:rPr>
               <a:t>Entering the Working World</a:t>
             </a:r>
+            <a:endParaRPr lang="en-US">
+              <a:solidFill>
+                <a:srgbClr val="FFFFFF"/>
+              </a:solidFill>
+            </a:endParaRPr>
+          </a:p>
+        </p:txBody>
+      </p:sp>
+      <p:sp>
+        <p:nvSpPr>
+          <p:cNvPr id="12" name="Arc 11">
+            <a:extLst>
+              <a:ext uri="{FF2B5EF4-FFF2-40B4-BE49-F238E27FC236}">
+                <a16:creationId xmlns:a16="http://schemas.microsoft.com/office/drawing/2014/main" id="{081E4A58-353D-44AE-B2FC-2A74E2E400F7}"/>
+              </a:ext>
+              <a:ext uri="{C183D7F6-B498-43B3-948B-1728B52AA6E4}">
+                <adec:decorative xmlns:adec="http://schemas.microsoft.com/office/drawing/2017/decorative" val="1"/>
+              </a:ext>
+            </a:extLst>
+          </p:cNvPr>
+          <p:cNvSpPr>
+            <a:spLocks noGrp="1" noRot="1" noChangeAspect="1" noMove="1" noResize="1" noEditPoints="1" noAdjustHandles="1" noChangeArrowheads="1" noChangeShapeType="1" noTextEdit="1"/>
+          </p:cNvSpPr>
+          <p:nvPr>
+            <p:extLst>
+              <p:ext uri="{386F3935-93C4-4BCD-93E2-E3B085C9AB24}">
+                <p16:designElem xmlns:p16="http://schemas.microsoft.com/office/powerpoint/2015/main" val="1"/>
+              </p:ext>
+            </p:extLst>
+          </p:nvPr>
+        </p:nvSpPr>
+        <p:spPr>
+          <a:xfrm flipV="1">
+            <a:off x="7550402" y="2455479"/>
+            <a:ext cx="4083433" cy="4083433"/>
+          </a:xfrm>
+          <a:prstGeom prst="arc">
+            <a:avLst/>
+          </a:prstGeom>
+          <a:ln w="127000" cap="rnd">
+            <a:solidFill>
+              <a:schemeClr val="accent4"/>
+            </a:solidFill>
+            <a:prstDash val="dash"/>
+          </a:ln>
+        </p:spPr>
+        <p:style>
+          <a:lnRef idx="1">
+            <a:schemeClr val="accent1"/>
+          </a:lnRef>
+          <a:fillRef idx="0">
+            <a:schemeClr val="accent1"/>
+          </a:fillRef>
+          <a:effectRef idx="0">
+            <a:schemeClr val="accent1"/>
+          </a:effectRef>
+          <a:fontRef idx="minor">
+            <a:schemeClr val="tx1"/>
+          </a:fontRef>
+        </p:style>
+        <p:txBody>
+          <a:bodyPr rtlCol="0" anchor="ctr"/>
+          <a:lstStyle/>
+          <a:p>
+            <a:pPr algn="ctr"/>
             <a:endParaRPr lang="en-US" dirty="0"/>
           </a:p>
         </p:txBody>
@@ -4638,9 +6510,14 @@
             <p:ph idx="1"/>
           </p:nvPr>
         </p:nvSpPr>
-        <p:spPr/>
-        <p:txBody>
-          <a:bodyPr vert="horz" lIns="91440" tIns="45720" rIns="91440" bIns="45720" rtlCol="0" anchor="t">
+        <p:spPr>
+          <a:xfrm>
+            <a:off x="4447308" y="591344"/>
+            <a:ext cx="6906491" cy="5585619"/>
+          </a:xfrm>
+        </p:spPr>
+        <p:txBody>
+          <a:bodyPr vert="horz" lIns="91440" tIns="45720" rIns="91440" bIns="45720" rtlCol="0" anchor="ctr">
             <a:normAutofit/>
           </a:bodyPr>
           <a:lstStyle/>
@@ -4723,6 +6600,14 @@
 <file path=ppt/slides/slide6.xml><?xml version="1.0" encoding="utf-8"?>
 <p:sld xmlns:a="http://schemas.openxmlformats.org/drawingml/2006/main" xmlns:r="http://schemas.openxmlformats.org/officeDocument/2006/relationships" xmlns:p="http://schemas.openxmlformats.org/presentationml/2006/main">
   <p:cSld>
+    <p:bg>
+      <p:bgPr>
+        <a:solidFill>
+          <a:schemeClr val="bg1"/>
+        </a:solidFill>
+        <a:effectLst/>
+      </p:bgPr>
+    </p:bg>
     <p:spTree>
       <p:nvGrpSpPr>
         <p:cNvPr id="1" name=""/>
@@ -4737,6 +6622,129 @@
           <a:chExt cx="0" cy="0"/>
         </a:xfrm>
       </p:grpSpPr>
+      <p:sp useBgFill="1">
+        <p:nvSpPr>
+          <p:cNvPr id="8" name="Rectangle 7">
+            <a:extLst>
+              <a:ext uri="{FF2B5EF4-FFF2-40B4-BE49-F238E27FC236}">
+                <a16:creationId xmlns:a16="http://schemas.microsoft.com/office/drawing/2014/main" id="{389575E1-3389-451A-A5F7-27854C25C599}"/>
+              </a:ext>
+              <a:ext uri="{C183D7F6-B498-43B3-948B-1728B52AA6E4}">
+                <adec:decorative xmlns:adec="http://schemas.microsoft.com/office/drawing/2017/decorative" val="1"/>
+              </a:ext>
+            </a:extLst>
+          </p:cNvPr>
+          <p:cNvSpPr>
+            <a:spLocks noGrp="1" noRot="1" noChangeAspect="1" noMove="1" noResize="1" noEditPoints="1" noAdjustHandles="1" noChangeArrowheads="1" noChangeShapeType="1" noTextEdit="1"/>
+          </p:cNvSpPr>
+          <p:nvPr>
+            <p:extLst>
+              <p:ext uri="{386F3935-93C4-4BCD-93E2-E3B085C9AB24}">
+                <p16:designElem xmlns:p16="http://schemas.microsoft.com/office/powerpoint/2015/main" val="1"/>
+              </p:ext>
+            </p:extLst>
+          </p:nvPr>
+        </p:nvSpPr>
+        <p:spPr>
+          <a:xfrm>
+            <a:off x="3048" y="4293"/>
+            <a:ext cx="12188952" cy="6858000"/>
+          </a:xfrm>
+          <a:prstGeom prst="rect">
+            <a:avLst/>
+          </a:prstGeom>
+          <a:ln>
+            <a:noFill/>
+          </a:ln>
+        </p:spPr>
+        <p:style>
+          <a:lnRef idx="2">
+            <a:schemeClr val="accent1">
+              <a:shade val="50000"/>
+            </a:schemeClr>
+          </a:lnRef>
+          <a:fillRef idx="1">
+            <a:schemeClr val="accent1"/>
+          </a:fillRef>
+          <a:effectRef idx="0">
+            <a:schemeClr val="accent1"/>
+          </a:effectRef>
+          <a:fontRef idx="minor">
+            <a:schemeClr val="lt1"/>
+          </a:fontRef>
+        </p:style>
+        <p:txBody>
+          <a:bodyPr rtlCol="0" anchor="ctr"/>
+          <a:lstStyle/>
+          <a:p>
+            <a:pPr algn="ctr"/>
+            <a:endParaRPr lang="en-US"/>
+          </a:p>
+        </p:txBody>
+      </p:sp>
+      <p:sp>
+        <p:nvSpPr>
+          <p:cNvPr id="10" name="Rectangle 9">
+            <a:extLst>
+              <a:ext uri="{FF2B5EF4-FFF2-40B4-BE49-F238E27FC236}">
+                <a16:creationId xmlns:a16="http://schemas.microsoft.com/office/drawing/2014/main" id="{A53CCC5C-D88E-40FB-B30B-23DCDBD01D37}"/>
+              </a:ext>
+              <a:ext uri="{C183D7F6-B498-43B3-948B-1728B52AA6E4}">
+                <adec:decorative xmlns:adec="http://schemas.microsoft.com/office/drawing/2017/decorative" val="1"/>
+              </a:ext>
+            </a:extLst>
+          </p:cNvPr>
+          <p:cNvSpPr>
+            <a:spLocks noGrp="1" noRot="1" noChangeAspect="1" noMove="1" noResize="1" noEditPoints="1" noAdjustHandles="1" noChangeArrowheads="1" noChangeShapeType="1" noTextEdit="1"/>
+          </p:cNvSpPr>
+          <p:nvPr>
+            <p:extLst>
+              <p:ext uri="{386F3935-93C4-4BCD-93E2-E3B085C9AB24}">
+                <p16:designElem xmlns:p16="http://schemas.microsoft.com/office/powerpoint/2015/main" val="1"/>
+              </p:ext>
+            </p:extLst>
+          </p:nvPr>
+        </p:nvSpPr>
+        <p:spPr>
+          <a:xfrm>
+            <a:off x="0" y="-4"/>
+            <a:ext cx="4167268" cy="6858004"/>
+          </a:xfrm>
+          <a:prstGeom prst="rect">
+            <a:avLst/>
+          </a:prstGeom>
+          <a:solidFill>
+            <a:schemeClr val="accent2"/>
+          </a:solidFill>
+          <a:ln>
+            <a:noFill/>
+          </a:ln>
+        </p:spPr>
+        <p:style>
+          <a:lnRef idx="2">
+            <a:schemeClr val="accent1">
+              <a:shade val="50000"/>
+            </a:schemeClr>
+          </a:lnRef>
+          <a:fillRef idx="1">
+            <a:schemeClr val="accent1"/>
+          </a:fillRef>
+          <a:effectRef idx="0">
+            <a:schemeClr val="accent1"/>
+          </a:effectRef>
+          <a:fontRef idx="minor">
+            <a:schemeClr val="lt1"/>
+          </a:fontRef>
+        </p:style>
+        <p:txBody>
+          <a:bodyPr rtlCol="0" anchor="ctr"/>
+          <a:lstStyle/>
+          <a:p>
+            <a:pPr algn="ctr"/>
+            <a:endParaRPr lang="en-US"/>
+          </a:p>
+        </p:txBody>
+      </p:sp>
       <p:sp>
         <p:nvSpPr>
           <p:cNvPr id="2" name="Title 1">
@@ -4753,24 +6761,93 @@
             <p:ph type="title"/>
           </p:nvPr>
         </p:nvSpPr>
-        <p:spPr/>
-        <p:txBody>
-          <a:bodyPr/>
-          <a:lstStyle/>
-          <a:p>
-            <a:r>
-              <a:rPr lang="en-US" dirty="0" err="1">
+        <p:spPr>
+          <a:xfrm>
+            <a:off x="686834" y="591344"/>
+            <a:ext cx="3200400" cy="5585619"/>
+          </a:xfrm>
+        </p:spPr>
+        <p:txBody>
+          <a:bodyPr>
+            <a:normAutofit/>
+          </a:bodyPr>
+          <a:lstStyle/>
+          <a:p>
+            <a:r>
+              <a:rPr lang="en-US">
+                <a:solidFill>
+                  <a:srgbClr val="FFFFFF"/>
+                </a:solidFill>
                 <a:cs typeface="Calibri Light"/>
               </a:rPr>
-              <a:t>Acturis</a:t>
-            </a:r>
-            <a:r>
-              <a:rPr lang="en-US" dirty="0">
-                <a:cs typeface="Calibri Light"/>
-              </a:rPr>
-              <a:t> – 1 Year 6 Months</a:t>
-            </a:r>
-            <a:endParaRPr lang="en-US" dirty="0" err="1"/>
+              <a:t>Acturis – 1 Year 6 Months</a:t>
+            </a:r>
+            <a:endParaRPr lang="en-US">
+              <a:solidFill>
+                <a:srgbClr val="FFFFFF"/>
+              </a:solidFill>
+            </a:endParaRPr>
+          </a:p>
+        </p:txBody>
+      </p:sp>
+      <p:sp>
+        <p:nvSpPr>
+          <p:cNvPr id="12" name="Arc 11">
+            <a:extLst>
+              <a:ext uri="{FF2B5EF4-FFF2-40B4-BE49-F238E27FC236}">
+                <a16:creationId xmlns:a16="http://schemas.microsoft.com/office/drawing/2014/main" id="{081E4A58-353D-44AE-B2FC-2A74E2E400F7}"/>
+              </a:ext>
+              <a:ext uri="{C183D7F6-B498-43B3-948B-1728B52AA6E4}">
+                <adec:decorative xmlns:adec="http://schemas.microsoft.com/office/drawing/2017/decorative" val="1"/>
+              </a:ext>
+            </a:extLst>
+          </p:cNvPr>
+          <p:cNvSpPr>
+            <a:spLocks noGrp="1" noRot="1" noChangeAspect="1" noMove="1" noResize="1" noEditPoints="1" noAdjustHandles="1" noChangeArrowheads="1" noChangeShapeType="1" noTextEdit="1"/>
+          </p:cNvSpPr>
+          <p:nvPr>
+            <p:extLst>
+              <p:ext uri="{386F3935-93C4-4BCD-93E2-E3B085C9AB24}">
+                <p16:designElem xmlns:p16="http://schemas.microsoft.com/office/powerpoint/2015/main" val="1"/>
+              </p:ext>
+            </p:extLst>
+          </p:nvPr>
+        </p:nvSpPr>
+        <p:spPr>
+          <a:xfrm flipV="1">
+            <a:off x="7550402" y="2455479"/>
+            <a:ext cx="4083433" cy="4083433"/>
+          </a:xfrm>
+          <a:prstGeom prst="arc">
+            <a:avLst/>
+          </a:prstGeom>
+          <a:ln w="127000" cap="rnd">
+            <a:solidFill>
+              <a:schemeClr val="accent4"/>
+            </a:solidFill>
+            <a:prstDash val="dash"/>
+          </a:ln>
+        </p:spPr>
+        <p:style>
+          <a:lnRef idx="1">
+            <a:schemeClr val="accent1"/>
+          </a:lnRef>
+          <a:fillRef idx="0">
+            <a:schemeClr val="accent1"/>
+          </a:fillRef>
+          <a:effectRef idx="0">
+            <a:schemeClr val="accent1"/>
+          </a:effectRef>
+          <a:fontRef idx="minor">
+            <a:schemeClr val="tx1"/>
+          </a:fontRef>
+        </p:style>
+        <p:txBody>
+          <a:bodyPr rtlCol="0" anchor="ctr"/>
+          <a:lstStyle/>
+          <a:p>
+            <a:pPr algn="ctr"/>
+            <a:endParaRPr lang="en-US" dirty="0"/>
           </a:p>
         </p:txBody>
       </p:sp>
@@ -4790,10 +6867,15 @@
             <p:ph idx="1"/>
           </p:nvPr>
         </p:nvSpPr>
-        <p:spPr/>
-        <p:txBody>
-          <a:bodyPr vert="horz" lIns="91440" tIns="45720" rIns="91440" bIns="45720" rtlCol="0" anchor="t">
-            <a:normAutofit lnSpcReduction="10000"/>
+        <p:spPr>
+          <a:xfrm>
+            <a:off x="4447308" y="591344"/>
+            <a:ext cx="6906491" cy="5585619"/>
+          </a:xfrm>
+        </p:spPr>
+        <p:txBody>
+          <a:bodyPr vert="horz" lIns="91440" tIns="45720" rIns="91440" bIns="45720" rtlCol="0" anchor="ctr">
+            <a:normAutofit/>
           </a:bodyPr>
           <a:lstStyle/>
           <a:p>
@@ -4881,6 +6963,14 @@
 <file path=ppt/slides/slide7.xml><?xml version="1.0" encoding="utf-8"?>
 <p:sld xmlns:a="http://schemas.openxmlformats.org/drawingml/2006/main" xmlns:r="http://schemas.openxmlformats.org/officeDocument/2006/relationships" xmlns:p="http://schemas.openxmlformats.org/presentationml/2006/main">
   <p:cSld>
+    <p:bg>
+      <p:bgPr>
+        <a:solidFill>
+          <a:schemeClr val="bg1"/>
+        </a:solidFill>
+        <a:effectLst/>
+      </p:bgPr>
+    </p:bg>
     <p:spTree>
       <p:nvGrpSpPr>
         <p:cNvPr id="1" name=""/>
@@ -4895,6 +6985,129 @@
           <a:chExt cx="0" cy="0"/>
         </a:xfrm>
       </p:grpSpPr>
+      <p:sp useBgFill="1">
+        <p:nvSpPr>
+          <p:cNvPr id="8" name="Rectangle 7">
+            <a:extLst>
+              <a:ext uri="{FF2B5EF4-FFF2-40B4-BE49-F238E27FC236}">
+                <a16:creationId xmlns:a16="http://schemas.microsoft.com/office/drawing/2014/main" id="{389575E1-3389-451A-A5F7-27854C25C599}"/>
+              </a:ext>
+              <a:ext uri="{C183D7F6-B498-43B3-948B-1728B52AA6E4}">
+                <adec:decorative xmlns:adec="http://schemas.microsoft.com/office/drawing/2017/decorative" val="1"/>
+              </a:ext>
+            </a:extLst>
+          </p:cNvPr>
+          <p:cNvSpPr>
+            <a:spLocks noGrp="1" noRot="1" noChangeAspect="1" noMove="1" noResize="1" noEditPoints="1" noAdjustHandles="1" noChangeArrowheads="1" noChangeShapeType="1" noTextEdit="1"/>
+          </p:cNvSpPr>
+          <p:nvPr>
+            <p:extLst>
+              <p:ext uri="{386F3935-93C4-4BCD-93E2-E3B085C9AB24}">
+                <p16:designElem xmlns:p16="http://schemas.microsoft.com/office/powerpoint/2015/main" val="1"/>
+              </p:ext>
+            </p:extLst>
+          </p:nvPr>
+        </p:nvSpPr>
+        <p:spPr>
+          <a:xfrm>
+            <a:off x="3048" y="4293"/>
+            <a:ext cx="12188952" cy="6858000"/>
+          </a:xfrm>
+          <a:prstGeom prst="rect">
+            <a:avLst/>
+          </a:prstGeom>
+          <a:ln>
+            <a:noFill/>
+          </a:ln>
+        </p:spPr>
+        <p:style>
+          <a:lnRef idx="2">
+            <a:schemeClr val="accent1">
+              <a:shade val="50000"/>
+            </a:schemeClr>
+          </a:lnRef>
+          <a:fillRef idx="1">
+            <a:schemeClr val="accent1"/>
+          </a:fillRef>
+          <a:effectRef idx="0">
+            <a:schemeClr val="accent1"/>
+          </a:effectRef>
+          <a:fontRef idx="minor">
+            <a:schemeClr val="lt1"/>
+          </a:fontRef>
+        </p:style>
+        <p:txBody>
+          <a:bodyPr rtlCol="0" anchor="ctr"/>
+          <a:lstStyle/>
+          <a:p>
+            <a:pPr algn="ctr"/>
+            <a:endParaRPr lang="en-US"/>
+          </a:p>
+        </p:txBody>
+      </p:sp>
+      <p:sp>
+        <p:nvSpPr>
+          <p:cNvPr id="10" name="Rectangle 9">
+            <a:extLst>
+              <a:ext uri="{FF2B5EF4-FFF2-40B4-BE49-F238E27FC236}">
+                <a16:creationId xmlns:a16="http://schemas.microsoft.com/office/drawing/2014/main" id="{A53CCC5C-D88E-40FB-B30B-23DCDBD01D37}"/>
+              </a:ext>
+              <a:ext uri="{C183D7F6-B498-43B3-948B-1728B52AA6E4}">
+                <adec:decorative xmlns:adec="http://schemas.microsoft.com/office/drawing/2017/decorative" val="1"/>
+              </a:ext>
+            </a:extLst>
+          </p:cNvPr>
+          <p:cNvSpPr>
+            <a:spLocks noGrp="1" noRot="1" noChangeAspect="1" noMove="1" noResize="1" noEditPoints="1" noAdjustHandles="1" noChangeArrowheads="1" noChangeShapeType="1" noTextEdit="1"/>
+          </p:cNvSpPr>
+          <p:nvPr>
+            <p:extLst>
+              <p:ext uri="{386F3935-93C4-4BCD-93E2-E3B085C9AB24}">
+                <p16:designElem xmlns:p16="http://schemas.microsoft.com/office/powerpoint/2015/main" val="1"/>
+              </p:ext>
+            </p:extLst>
+          </p:nvPr>
+        </p:nvSpPr>
+        <p:spPr>
+          <a:xfrm>
+            <a:off x="0" y="-4"/>
+            <a:ext cx="4167268" cy="6858004"/>
+          </a:xfrm>
+          <a:prstGeom prst="rect">
+            <a:avLst/>
+          </a:prstGeom>
+          <a:solidFill>
+            <a:schemeClr val="accent2"/>
+          </a:solidFill>
+          <a:ln>
+            <a:noFill/>
+          </a:ln>
+        </p:spPr>
+        <p:style>
+          <a:lnRef idx="2">
+            <a:schemeClr val="accent1">
+              <a:shade val="50000"/>
+            </a:schemeClr>
+          </a:lnRef>
+          <a:fillRef idx="1">
+            <a:schemeClr val="accent1"/>
+          </a:fillRef>
+          <a:effectRef idx="0">
+            <a:schemeClr val="accent1"/>
+          </a:effectRef>
+          <a:fontRef idx="minor">
+            <a:schemeClr val="lt1"/>
+          </a:fontRef>
+        </p:style>
+        <p:txBody>
+          <a:bodyPr rtlCol="0" anchor="ctr"/>
+          <a:lstStyle/>
+          <a:p>
+            <a:pPr algn="ctr"/>
+            <a:endParaRPr lang="en-US"/>
+          </a:p>
+        </p:txBody>
+      </p:sp>
       <p:sp>
         <p:nvSpPr>
           <p:cNvPr id="2" name="Title 1">
@@ -4911,17 +7124,92 @@
             <p:ph type="title"/>
           </p:nvPr>
         </p:nvSpPr>
-        <p:spPr/>
-        <p:txBody>
-          <a:bodyPr/>
-          <a:lstStyle/>
-          <a:p>
-            <a:r>
-              <a:rPr lang="en-US" dirty="0">
+        <p:spPr>
+          <a:xfrm>
+            <a:off x="686834" y="591344"/>
+            <a:ext cx="3200400" cy="5585619"/>
+          </a:xfrm>
+        </p:spPr>
+        <p:txBody>
+          <a:bodyPr>
+            <a:normAutofit/>
+          </a:bodyPr>
+          <a:lstStyle/>
+          <a:p>
+            <a:r>
+              <a:rPr lang="en-US">
+                <a:solidFill>
+                  <a:srgbClr val="FFFFFF"/>
+                </a:solidFill>
                 <a:cs typeface="Calibri Light"/>
               </a:rPr>
               <a:t>Finding the Next Job</a:t>
             </a:r>
+            <a:endParaRPr lang="en-US">
+              <a:solidFill>
+                <a:srgbClr val="FFFFFF"/>
+              </a:solidFill>
+            </a:endParaRPr>
+          </a:p>
+        </p:txBody>
+      </p:sp>
+      <p:sp>
+        <p:nvSpPr>
+          <p:cNvPr id="12" name="Arc 11">
+            <a:extLst>
+              <a:ext uri="{FF2B5EF4-FFF2-40B4-BE49-F238E27FC236}">
+                <a16:creationId xmlns:a16="http://schemas.microsoft.com/office/drawing/2014/main" id="{081E4A58-353D-44AE-B2FC-2A74E2E400F7}"/>
+              </a:ext>
+              <a:ext uri="{C183D7F6-B498-43B3-948B-1728B52AA6E4}">
+                <adec:decorative xmlns:adec="http://schemas.microsoft.com/office/drawing/2017/decorative" val="1"/>
+              </a:ext>
+            </a:extLst>
+          </p:cNvPr>
+          <p:cNvSpPr>
+            <a:spLocks noGrp="1" noRot="1" noChangeAspect="1" noMove="1" noResize="1" noEditPoints="1" noAdjustHandles="1" noChangeArrowheads="1" noChangeShapeType="1" noTextEdit="1"/>
+          </p:cNvSpPr>
+          <p:nvPr>
+            <p:extLst>
+              <p:ext uri="{386F3935-93C4-4BCD-93E2-E3B085C9AB24}">
+                <p16:designElem xmlns:p16="http://schemas.microsoft.com/office/powerpoint/2015/main" val="1"/>
+              </p:ext>
+            </p:extLst>
+          </p:nvPr>
+        </p:nvSpPr>
+        <p:spPr>
+          <a:xfrm flipV="1">
+            <a:off x="7550402" y="2455479"/>
+            <a:ext cx="4083433" cy="4083433"/>
+          </a:xfrm>
+          <a:prstGeom prst="arc">
+            <a:avLst/>
+          </a:prstGeom>
+          <a:ln w="127000" cap="rnd">
+            <a:solidFill>
+              <a:schemeClr val="accent4"/>
+            </a:solidFill>
+            <a:prstDash val="dash"/>
+          </a:ln>
+        </p:spPr>
+        <p:style>
+          <a:lnRef idx="1">
+            <a:schemeClr val="accent1"/>
+          </a:lnRef>
+          <a:fillRef idx="0">
+            <a:schemeClr val="accent1"/>
+          </a:fillRef>
+          <a:effectRef idx="0">
+            <a:schemeClr val="accent1"/>
+          </a:effectRef>
+          <a:fontRef idx="minor">
+            <a:schemeClr val="tx1"/>
+          </a:fontRef>
+        </p:style>
+        <p:txBody>
+          <a:bodyPr rtlCol="0" anchor="ctr"/>
+          <a:lstStyle/>
+          <a:p>
+            <a:pPr algn="ctr"/>
             <a:endParaRPr lang="en-US" dirty="0"/>
           </a:p>
         </p:txBody>
@@ -4942,9 +7230,14 @@
             <p:ph idx="1"/>
           </p:nvPr>
         </p:nvSpPr>
-        <p:spPr/>
-        <p:txBody>
-          <a:bodyPr vert="horz" lIns="91440" tIns="45720" rIns="91440" bIns="45720" rtlCol="0" anchor="t">
+        <p:spPr>
+          <a:xfrm>
+            <a:off x="4447308" y="591344"/>
+            <a:ext cx="6906491" cy="5585619"/>
+          </a:xfrm>
+        </p:spPr>
+        <p:txBody>
+          <a:bodyPr vert="horz" lIns="91440" tIns="45720" rIns="91440" bIns="45720" rtlCol="0" anchor="ctr">
             <a:normAutofit/>
           </a:bodyPr>
           <a:lstStyle/>
@@ -5015,6 +7308,14 @@
 <file path=ppt/slides/slide8.xml><?xml version="1.0" encoding="utf-8"?>
 <p:sld xmlns:a="http://schemas.openxmlformats.org/drawingml/2006/main" xmlns:r="http://schemas.openxmlformats.org/officeDocument/2006/relationships" xmlns:p="http://schemas.openxmlformats.org/presentationml/2006/main">
   <p:cSld>
+    <p:bg>
+      <p:bgPr>
+        <a:solidFill>
+          <a:schemeClr val="bg1"/>
+        </a:solidFill>
+        <a:effectLst/>
+      </p:bgPr>
+    </p:bg>
     <p:spTree>
       <p:nvGrpSpPr>
         <p:cNvPr id="1" name=""/>
@@ -5029,6 +7330,129 @@
           <a:chExt cx="0" cy="0"/>
         </a:xfrm>
       </p:grpSpPr>
+      <p:sp useBgFill="1">
+        <p:nvSpPr>
+          <p:cNvPr id="8" name="Rectangle 7">
+            <a:extLst>
+              <a:ext uri="{FF2B5EF4-FFF2-40B4-BE49-F238E27FC236}">
+                <a16:creationId xmlns:a16="http://schemas.microsoft.com/office/drawing/2014/main" id="{389575E1-3389-451A-A5F7-27854C25C599}"/>
+              </a:ext>
+              <a:ext uri="{C183D7F6-B498-43B3-948B-1728B52AA6E4}">
+                <adec:decorative xmlns:adec="http://schemas.microsoft.com/office/drawing/2017/decorative" val="1"/>
+              </a:ext>
+            </a:extLst>
+          </p:cNvPr>
+          <p:cNvSpPr>
+            <a:spLocks noGrp="1" noRot="1" noChangeAspect="1" noMove="1" noResize="1" noEditPoints="1" noAdjustHandles="1" noChangeArrowheads="1" noChangeShapeType="1" noTextEdit="1"/>
+          </p:cNvSpPr>
+          <p:nvPr>
+            <p:extLst>
+              <p:ext uri="{386F3935-93C4-4BCD-93E2-E3B085C9AB24}">
+                <p16:designElem xmlns:p16="http://schemas.microsoft.com/office/powerpoint/2015/main" val="1"/>
+              </p:ext>
+            </p:extLst>
+          </p:nvPr>
+        </p:nvSpPr>
+        <p:spPr>
+          <a:xfrm>
+            <a:off x="3048" y="4293"/>
+            <a:ext cx="12188952" cy="6858000"/>
+          </a:xfrm>
+          <a:prstGeom prst="rect">
+            <a:avLst/>
+          </a:prstGeom>
+          <a:ln>
+            <a:noFill/>
+          </a:ln>
+        </p:spPr>
+        <p:style>
+          <a:lnRef idx="2">
+            <a:schemeClr val="accent1">
+              <a:shade val="50000"/>
+            </a:schemeClr>
+          </a:lnRef>
+          <a:fillRef idx="1">
+            <a:schemeClr val="accent1"/>
+          </a:fillRef>
+          <a:effectRef idx="0">
+            <a:schemeClr val="accent1"/>
+          </a:effectRef>
+          <a:fontRef idx="minor">
+            <a:schemeClr val="lt1"/>
+          </a:fontRef>
+        </p:style>
+        <p:txBody>
+          <a:bodyPr rtlCol="0" anchor="ctr"/>
+          <a:lstStyle/>
+          <a:p>
+            <a:pPr algn="ctr"/>
+            <a:endParaRPr lang="en-US"/>
+          </a:p>
+        </p:txBody>
+      </p:sp>
+      <p:sp>
+        <p:nvSpPr>
+          <p:cNvPr id="10" name="Rectangle 9">
+            <a:extLst>
+              <a:ext uri="{FF2B5EF4-FFF2-40B4-BE49-F238E27FC236}">
+                <a16:creationId xmlns:a16="http://schemas.microsoft.com/office/drawing/2014/main" id="{A53CCC5C-D88E-40FB-B30B-23DCDBD01D37}"/>
+              </a:ext>
+              <a:ext uri="{C183D7F6-B498-43B3-948B-1728B52AA6E4}">
+                <adec:decorative xmlns:adec="http://schemas.microsoft.com/office/drawing/2017/decorative" val="1"/>
+              </a:ext>
+            </a:extLst>
+          </p:cNvPr>
+          <p:cNvSpPr>
+            <a:spLocks noGrp="1" noRot="1" noChangeAspect="1" noMove="1" noResize="1" noEditPoints="1" noAdjustHandles="1" noChangeArrowheads="1" noChangeShapeType="1" noTextEdit="1"/>
+          </p:cNvSpPr>
+          <p:nvPr>
+            <p:extLst>
+              <p:ext uri="{386F3935-93C4-4BCD-93E2-E3B085C9AB24}">
+                <p16:designElem xmlns:p16="http://schemas.microsoft.com/office/powerpoint/2015/main" val="1"/>
+              </p:ext>
+            </p:extLst>
+          </p:nvPr>
+        </p:nvSpPr>
+        <p:spPr>
+          <a:xfrm>
+            <a:off x="0" y="-4"/>
+            <a:ext cx="4167268" cy="6858004"/>
+          </a:xfrm>
+          <a:prstGeom prst="rect">
+            <a:avLst/>
+          </a:prstGeom>
+          <a:solidFill>
+            <a:schemeClr val="accent2"/>
+          </a:solidFill>
+          <a:ln>
+            <a:noFill/>
+          </a:ln>
+        </p:spPr>
+        <p:style>
+          <a:lnRef idx="2">
+            <a:schemeClr val="accent1">
+              <a:shade val="50000"/>
+            </a:schemeClr>
+          </a:lnRef>
+          <a:fillRef idx="1">
+            <a:schemeClr val="accent1"/>
+          </a:fillRef>
+          <a:effectRef idx="0">
+            <a:schemeClr val="accent1"/>
+          </a:effectRef>
+          <a:fontRef idx="minor">
+            <a:schemeClr val="lt1"/>
+          </a:fontRef>
+        </p:style>
+        <p:txBody>
+          <a:bodyPr rtlCol="0" anchor="ctr"/>
+          <a:lstStyle/>
+          <a:p>
+            <a:pPr algn="ctr"/>
+            <a:endParaRPr lang="en-US"/>
+          </a:p>
+        </p:txBody>
+      </p:sp>
       <p:sp>
         <p:nvSpPr>
           <p:cNvPr id="2" name="Title 1">
@@ -5045,23 +7469,92 @@
             <p:ph type="title"/>
           </p:nvPr>
         </p:nvSpPr>
-        <p:spPr/>
-        <p:txBody>
-          <a:bodyPr/>
-          <a:lstStyle/>
-          <a:p>
-            <a:r>
-              <a:rPr lang="en-US" dirty="0" err="1">
+        <p:spPr>
+          <a:xfrm>
+            <a:off x="686834" y="591344"/>
+            <a:ext cx="3200400" cy="5585619"/>
+          </a:xfrm>
+        </p:spPr>
+        <p:txBody>
+          <a:bodyPr>
+            <a:normAutofit/>
+          </a:bodyPr>
+          <a:lstStyle/>
+          <a:p>
+            <a:r>
+              <a:rPr lang="en-US">
+                <a:solidFill>
+                  <a:srgbClr val="FFFFFF"/>
+                </a:solidFill>
                 <a:cs typeface="Calibri Light"/>
               </a:rPr>
-              <a:t>Natwest</a:t>
-            </a:r>
-            <a:r>
-              <a:rPr lang="en-US" dirty="0">
-                <a:cs typeface="Calibri Light"/>
-              </a:rPr>
-              <a:t> Markets – 1 Year 6 Months</a:t>
-            </a:r>
+              <a:t>Natwest Markets – 1 Year 6 Months</a:t>
+            </a:r>
+            <a:endParaRPr lang="en-US">
+              <a:solidFill>
+                <a:srgbClr val="FFFFFF"/>
+              </a:solidFill>
+            </a:endParaRPr>
+          </a:p>
+        </p:txBody>
+      </p:sp>
+      <p:sp>
+        <p:nvSpPr>
+          <p:cNvPr id="12" name="Arc 11">
+            <a:extLst>
+              <a:ext uri="{FF2B5EF4-FFF2-40B4-BE49-F238E27FC236}">
+                <a16:creationId xmlns:a16="http://schemas.microsoft.com/office/drawing/2014/main" id="{081E4A58-353D-44AE-B2FC-2A74E2E400F7}"/>
+              </a:ext>
+              <a:ext uri="{C183D7F6-B498-43B3-948B-1728B52AA6E4}">
+                <adec:decorative xmlns:adec="http://schemas.microsoft.com/office/drawing/2017/decorative" val="1"/>
+              </a:ext>
+            </a:extLst>
+          </p:cNvPr>
+          <p:cNvSpPr>
+            <a:spLocks noGrp="1" noRot="1" noChangeAspect="1" noMove="1" noResize="1" noEditPoints="1" noAdjustHandles="1" noChangeArrowheads="1" noChangeShapeType="1" noTextEdit="1"/>
+          </p:cNvSpPr>
+          <p:nvPr>
+            <p:extLst>
+              <p:ext uri="{386F3935-93C4-4BCD-93E2-E3B085C9AB24}">
+                <p16:designElem xmlns:p16="http://schemas.microsoft.com/office/powerpoint/2015/main" val="1"/>
+              </p:ext>
+            </p:extLst>
+          </p:nvPr>
+        </p:nvSpPr>
+        <p:spPr>
+          <a:xfrm flipV="1">
+            <a:off x="7550402" y="2455479"/>
+            <a:ext cx="4083433" cy="4083433"/>
+          </a:xfrm>
+          <a:prstGeom prst="arc">
+            <a:avLst/>
+          </a:prstGeom>
+          <a:ln w="127000" cap="rnd">
+            <a:solidFill>
+              <a:schemeClr val="accent4"/>
+            </a:solidFill>
+            <a:prstDash val="dash"/>
+          </a:ln>
+        </p:spPr>
+        <p:style>
+          <a:lnRef idx="1">
+            <a:schemeClr val="accent1"/>
+          </a:lnRef>
+          <a:fillRef idx="0">
+            <a:schemeClr val="accent1"/>
+          </a:fillRef>
+          <a:effectRef idx="0">
+            <a:schemeClr val="accent1"/>
+          </a:effectRef>
+          <a:fontRef idx="minor">
+            <a:schemeClr val="tx1"/>
+          </a:fontRef>
+        </p:style>
+        <p:txBody>
+          <a:bodyPr rtlCol="0" anchor="ctr"/>
+          <a:lstStyle/>
+          <a:p>
+            <a:pPr algn="ctr"/>
             <a:endParaRPr lang="en-US" dirty="0"/>
           </a:p>
         </p:txBody>
@@ -5082,9 +7575,14 @@
             <p:ph idx="1"/>
           </p:nvPr>
         </p:nvSpPr>
-        <p:spPr/>
-        <p:txBody>
-          <a:bodyPr vert="horz" lIns="91440" tIns="45720" rIns="91440" bIns="45720" rtlCol="0" anchor="t">
+        <p:spPr>
+          <a:xfrm>
+            <a:off x="4447308" y="591344"/>
+            <a:ext cx="6906491" cy="5585619"/>
+          </a:xfrm>
+        </p:spPr>
+        <p:txBody>
+          <a:bodyPr vert="horz" lIns="91440" tIns="45720" rIns="91440" bIns="45720" rtlCol="0" anchor="ctr">
             <a:normAutofit/>
           </a:bodyPr>
           <a:lstStyle/>
@@ -5168,6 +7666,14 @@
 <file path=ppt/slides/slide9.xml><?xml version="1.0" encoding="utf-8"?>
 <p:sld xmlns:a="http://schemas.openxmlformats.org/drawingml/2006/main" xmlns:r="http://schemas.openxmlformats.org/officeDocument/2006/relationships" xmlns:p="http://schemas.openxmlformats.org/presentationml/2006/main">
   <p:cSld>
+    <p:bg>
+      <p:bgPr>
+        <a:solidFill>
+          <a:schemeClr val="bg1"/>
+        </a:solidFill>
+        <a:effectLst/>
+      </p:bgPr>
+    </p:bg>
     <p:spTree>
       <p:nvGrpSpPr>
         <p:cNvPr id="1" name=""/>
@@ -5182,6 +7688,129 @@
           <a:chExt cx="0" cy="0"/>
         </a:xfrm>
       </p:grpSpPr>
+      <p:sp useBgFill="1">
+        <p:nvSpPr>
+          <p:cNvPr id="8" name="Rectangle 7">
+            <a:extLst>
+              <a:ext uri="{FF2B5EF4-FFF2-40B4-BE49-F238E27FC236}">
+                <a16:creationId xmlns:a16="http://schemas.microsoft.com/office/drawing/2014/main" id="{389575E1-3389-451A-A5F7-27854C25C599}"/>
+              </a:ext>
+              <a:ext uri="{C183D7F6-B498-43B3-948B-1728B52AA6E4}">
+                <adec:decorative xmlns:adec="http://schemas.microsoft.com/office/drawing/2017/decorative" val="1"/>
+              </a:ext>
+            </a:extLst>
+          </p:cNvPr>
+          <p:cNvSpPr>
+            <a:spLocks noGrp="1" noRot="1" noChangeAspect="1" noMove="1" noResize="1" noEditPoints="1" noAdjustHandles="1" noChangeArrowheads="1" noChangeShapeType="1" noTextEdit="1"/>
+          </p:cNvSpPr>
+          <p:nvPr>
+            <p:extLst>
+              <p:ext uri="{386F3935-93C4-4BCD-93E2-E3B085C9AB24}">
+                <p16:designElem xmlns:p16="http://schemas.microsoft.com/office/powerpoint/2015/main" val="1"/>
+              </p:ext>
+            </p:extLst>
+          </p:nvPr>
+        </p:nvSpPr>
+        <p:spPr>
+          <a:xfrm>
+            <a:off x="3048" y="4293"/>
+            <a:ext cx="12188952" cy="6858000"/>
+          </a:xfrm>
+          <a:prstGeom prst="rect">
+            <a:avLst/>
+          </a:prstGeom>
+          <a:ln>
+            <a:noFill/>
+          </a:ln>
+        </p:spPr>
+        <p:style>
+          <a:lnRef idx="2">
+            <a:schemeClr val="accent1">
+              <a:shade val="50000"/>
+            </a:schemeClr>
+          </a:lnRef>
+          <a:fillRef idx="1">
+            <a:schemeClr val="accent1"/>
+          </a:fillRef>
+          <a:effectRef idx="0">
+            <a:schemeClr val="accent1"/>
+          </a:effectRef>
+          <a:fontRef idx="minor">
+            <a:schemeClr val="lt1"/>
+          </a:fontRef>
+        </p:style>
+        <p:txBody>
+          <a:bodyPr rtlCol="0" anchor="ctr"/>
+          <a:lstStyle/>
+          <a:p>
+            <a:pPr algn="ctr"/>
+            <a:endParaRPr lang="en-US"/>
+          </a:p>
+        </p:txBody>
+      </p:sp>
+      <p:sp>
+        <p:nvSpPr>
+          <p:cNvPr id="10" name="Rectangle 9">
+            <a:extLst>
+              <a:ext uri="{FF2B5EF4-FFF2-40B4-BE49-F238E27FC236}">
+                <a16:creationId xmlns:a16="http://schemas.microsoft.com/office/drawing/2014/main" id="{A53CCC5C-D88E-40FB-B30B-23DCDBD01D37}"/>
+              </a:ext>
+              <a:ext uri="{C183D7F6-B498-43B3-948B-1728B52AA6E4}">
+                <adec:decorative xmlns:adec="http://schemas.microsoft.com/office/drawing/2017/decorative" val="1"/>
+              </a:ext>
+            </a:extLst>
+          </p:cNvPr>
+          <p:cNvSpPr>
+            <a:spLocks noGrp="1" noRot="1" noChangeAspect="1" noMove="1" noResize="1" noEditPoints="1" noAdjustHandles="1" noChangeArrowheads="1" noChangeShapeType="1" noTextEdit="1"/>
+          </p:cNvSpPr>
+          <p:nvPr>
+            <p:extLst>
+              <p:ext uri="{386F3935-93C4-4BCD-93E2-E3B085C9AB24}">
+                <p16:designElem xmlns:p16="http://schemas.microsoft.com/office/powerpoint/2015/main" val="1"/>
+              </p:ext>
+            </p:extLst>
+          </p:nvPr>
+        </p:nvSpPr>
+        <p:spPr>
+          <a:xfrm>
+            <a:off x="0" y="-4"/>
+            <a:ext cx="4167268" cy="6858004"/>
+          </a:xfrm>
+          <a:prstGeom prst="rect">
+            <a:avLst/>
+          </a:prstGeom>
+          <a:solidFill>
+            <a:schemeClr val="accent2"/>
+          </a:solidFill>
+          <a:ln>
+            <a:noFill/>
+          </a:ln>
+        </p:spPr>
+        <p:style>
+          <a:lnRef idx="2">
+            <a:schemeClr val="accent1">
+              <a:shade val="50000"/>
+            </a:schemeClr>
+          </a:lnRef>
+          <a:fillRef idx="1">
+            <a:schemeClr val="accent1"/>
+          </a:fillRef>
+          <a:effectRef idx="0">
+            <a:schemeClr val="accent1"/>
+          </a:effectRef>
+          <a:fontRef idx="minor">
+            <a:schemeClr val="lt1"/>
+          </a:fontRef>
+        </p:style>
+        <p:txBody>
+          <a:bodyPr rtlCol="0" anchor="ctr"/>
+          <a:lstStyle/>
+          <a:p>
+            <a:pPr algn="ctr"/>
+            <a:endParaRPr lang="en-US"/>
+          </a:p>
+        </p:txBody>
+      </p:sp>
       <p:sp>
         <p:nvSpPr>
           <p:cNvPr id="2" name="Title 1">
@@ -5198,17 +7827,92 @@
             <p:ph type="title"/>
           </p:nvPr>
         </p:nvSpPr>
-        <p:spPr/>
-        <p:txBody>
-          <a:bodyPr/>
-          <a:lstStyle/>
-          <a:p>
-            <a:r>
-              <a:rPr lang="en-US" dirty="0">
+        <p:spPr>
+          <a:xfrm>
+            <a:off x="686834" y="591344"/>
+            <a:ext cx="3200400" cy="5585619"/>
+          </a:xfrm>
+        </p:spPr>
+        <p:txBody>
+          <a:bodyPr>
+            <a:normAutofit/>
+          </a:bodyPr>
+          <a:lstStyle/>
+          <a:p>
+            <a:r>
+              <a:rPr lang="en-US">
+                <a:solidFill>
+                  <a:srgbClr val="FFFFFF"/>
+                </a:solidFill>
                 <a:cs typeface="Calibri Light"/>
               </a:rPr>
               <a:t>Cheyne Capital Management – 2 Years+</a:t>
             </a:r>
+            <a:endParaRPr lang="en-US">
+              <a:solidFill>
+                <a:srgbClr val="FFFFFF"/>
+              </a:solidFill>
+            </a:endParaRPr>
+          </a:p>
+        </p:txBody>
+      </p:sp>
+      <p:sp>
+        <p:nvSpPr>
+          <p:cNvPr id="12" name="Arc 11">
+            <a:extLst>
+              <a:ext uri="{FF2B5EF4-FFF2-40B4-BE49-F238E27FC236}">
+                <a16:creationId xmlns:a16="http://schemas.microsoft.com/office/drawing/2014/main" id="{081E4A58-353D-44AE-B2FC-2A74E2E400F7}"/>
+              </a:ext>
+              <a:ext uri="{C183D7F6-B498-43B3-948B-1728B52AA6E4}">
+                <adec:decorative xmlns:adec="http://schemas.microsoft.com/office/drawing/2017/decorative" val="1"/>
+              </a:ext>
+            </a:extLst>
+          </p:cNvPr>
+          <p:cNvSpPr>
+            <a:spLocks noGrp="1" noRot="1" noChangeAspect="1" noMove="1" noResize="1" noEditPoints="1" noAdjustHandles="1" noChangeArrowheads="1" noChangeShapeType="1" noTextEdit="1"/>
+          </p:cNvSpPr>
+          <p:nvPr>
+            <p:extLst>
+              <p:ext uri="{386F3935-93C4-4BCD-93E2-E3B085C9AB24}">
+                <p16:designElem xmlns:p16="http://schemas.microsoft.com/office/powerpoint/2015/main" val="1"/>
+              </p:ext>
+            </p:extLst>
+          </p:nvPr>
+        </p:nvSpPr>
+        <p:spPr>
+          <a:xfrm flipV="1">
+            <a:off x="7550402" y="2455479"/>
+            <a:ext cx="4083433" cy="4083433"/>
+          </a:xfrm>
+          <a:prstGeom prst="arc">
+            <a:avLst/>
+          </a:prstGeom>
+          <a:ln w="127000" cap="rnd">
+            <a:solidFill>
+              <a:schemeClr val="accent4"/>
+            </a:solidFill>
+            <a:prstDash val="dash"/>
+          </a:ln>
+        </p:spPr>
+        <p:style>
+          <a:lnRef idx="1">
+            <a:schemeClr val="accent1"/>
+          </a:lnRef>
+          <a:fillRef idx="0">
+            <a:schemeClr val="accent1"/>
+          </a:fillRef>
+          <a:effectRef idx="0">
+            <a:schemeClr val="accent1"/>
+          </a:effectRef>
+          <a:fontRef idx="minor">
+            <a:schemeClr val="tx1"/>
+          </a:fontRef>
+        </p:style>
+        <p:txBody>
+          <a:bodyPr rtlCol="0" anchor="ctr"/>
+          <a:lstStyle/>
+          <a:p>
+            <a:pPr algn="ctr"/>
             <a:endParaRPr lang="en-US" dirty="0"/>
           </a:p>
         </p:txBody>
@@ -5229,9 +7933,14 @@
             <p:ph idx="1"/>
           </p:nvPr>
         </p:nvSpPr>
-        <p:spPr/>
-        <p:txBody>
-          <a:bodyPr vert="horz" lIns="91440" tIns="45720" rIns="91440" bIns="45720" rtlCol="0" anchor="t">
+        <p:spPr>
+          <a:xfrm>
+            <a:off x="4447308" y="591344"/>
+            <a:ext cx="6906491" cy="5585619"/>
+          </a:xfrm>
+        </p:spPr>
+        <p:txBody>
+          <a:bodyPr vert="horz" lIns="91440" tIns="45720" rIns="91440" bIns="45720" rtlCol="0" anchor="ctr">
             <a:normAutofit/>
           </a:bodyPr>
           <a:lstStyle/>
